--- a/slides/10701/Multimedia_System/[W5] Basic Python3.pptx
+++ b/slides/10701/Multimedia_System/[W5] Basic Python3.pptx
@@ -137,6 +137,11 @@
       </a:defRPr>
     </a:lvl9pPr>
   </p:defaultTextStyle>
+  <p:extLst>
+    <p:ext uri="{EFAFB233-063F-42B5-8137-9DF3F51BA10A}">
+      <p15:sldGuideLst xmlns:p15="http://schemas.microsoft.com/office/powerpoint/2012/main"/>
+    </p:ext>
+  </p:extLst>
 </p:presentation>
 </file>
 
@@ -222,7 +227,7 @@
           <a:p>
             <a:fld id="{08DA1A7F-25CC-4EA7-87D1-B9E074694B82}" type="datetimeFigureOut">
               <a:rPr lang="zh-TW" altLang="en-US" smtClean="0"/>
-              <a:t>2018/10/13</a:t>
+              <a:t>2018/10/17</a:t>
             </a:fld>
             <a:endParaRPr lang="zh-TW" altLang="en-US"/>
           </a:p>
@@ -7899,108 +7904,101 @@
                 <a:latin typeface="微軟正黑體" panose="020B0604030504040204" pitchFamily="34" charset="-120"/>
                 <a:ea typeface="微軟正黑體" panose="020B0604030504040204" pitchFamily="34" charset="-120"/>
               </a:rPr>
-              <a:t> </a:t>
-            </a:r>
+              <a:t> as np</a:t>
+            </a:r>
+          </a:p>
+          <a:p>
             <a:r>
               <a:rPr lang="en-US" altLang="zh-TW" sz="2000" dirty="0">
                 <a:latin typeface="微軟正黑體" panose="020B0604030504040204" pitchFamily="34" charset="-120"/>
                 <a:ea typeface="微軟正黑體" panose="020B0604030504040204" pitchFamily="34" charset="-120"/>
               </a:rPr>
-              <a:t>as np</a:t>
-            </a:r>
-          </a:p>
-          <a:p>
+              <a:t>&gt;&gt;&gt; a = </a:t>
+            </a:r>
+            <a:r>
+              <a:rPr lang="en-US" altLang="zh-TW" sz="2000" dirty="0" err="1">
+                <a:latin typeface="微軟正黑體" panose="020B0604030504040204" pitchFamily="34" charset="-120"/>
+                <a:ea typeface="微軟正黑體" panose="020B0604030504040204" pitchFamily="34" charset="-120"/>
+              </a:rPr>
+              <a:t>np.asarray</a:t>
+            </a:r>
             <a:r>
               <a:rPr lang="en-US" altLang="zh-TW" sz="2000" dirty="0">
                 <a:latin typeface="微軟正黑體" panose="020B0604030504040204" pitchFamily="34" charset="-120"/>
                 <a:ea typeface="微軟正黑體" panose="020B0604030504040204" pitchFamily="34" charset="-120"/>
               </a:rPr>
+              <a:t>(l)</a:t>
+            </a:r>
+          </a:p>
+          <a:p>
+            <a:r>
+              <a:rPr lang="en-US" altLang="zh-TW" sz="2000" dirty="0">
+                <a:latin typeface="微軟正黑體" panose="020B0604030504040204" pitchFamily="34" charset="-120"/>
+                <a:ea typeface="微軟正黑體" panose="020B0604030504040204" pitchFamily="34" charset="-120"/>
+              </a:rPr>
+              <a:t>[0 1 2 3 4 5 6 7 8 9]</a:t>
+            </a:r>
+          </a:p>
+          <a:p>
+            <a:r>
+              <a:rPr lang="en-US" altLang="zh-TW" sz="2000" dirty="0">
+                <a:latin typeface="微軟正黑體" panose="020B0604030504040204" pitchFamily="34" charset="-120"/>
+                <a:ea typeface="微軟正黑體" panose="020B0604030504040204" pitchFamily="34" charset="-120"/>
+              </a:rPr>
+              <a:t>------------------------------</a:t>
+            </a:r>
+          </a:p>
+          <a:p>
+            <a:r>
+              <a:rPr lang="en-US" altLang="zh-TW" sz="2000" dirty="0">
+                <a:latin typeface="微軟正黑體" panose="020B0604030504040204" pitchFamily="34" charset="-120"/>
+                <a:ea typeface="微軟正黑體" panose="020B0604030504040204" pitchFamily="34" charset="-120"/>
+              </a:rPr>
+              <a:t>&gt;&gt;&gt; import </a:t>
+            </a:r>
+            <a:r>
+              <a:rPr lang="en-US" altLang="zh-TW" sz="2000" dirty="0" err="1">
+                <a:latin typeface="微軟正黑體" panose="020B0604030504040204" pitchFamily="34" charset="-120"/>
+                <a:ea typeface="微軟正黑體" panose="020B0604030504040204" pitchFamily="34" charset="-120"/>
+              </a:rPr>
+              <a:t>numpy</a:t>
+            </a:r>
+            <a:r>
+              <a:rPr lang="en-US" altLang="zh-TW" sz="2000" dirty="0">
+                <a:latin typeface="微軟正黑體" panose="020B0604030504040204" pitchFamily="34" charset="-120"/>
+                <a:ea typeface="微軟正黑體" panose="020B0604030504040204" pitchFamily="34" charset="-120"/>
+              </a:rPr>
+              <a:t> as np</a:t>
+            </a:r>
+          </a:p>
+          <a:p>
+            <a:r>
+              <a:rPr lang="en-US" altLang="zh-TW" sz="2000" dirty="0">
+                <a:latin typeface="微軟正黑體" panose="020B0604030504040204" pitchFamily="34" charset="-120"/>
+                <a:ea typeface="微軟正黑體" panose="020B0604030504040204" pitchFamily="34" charset="-120"/>
+              </a:rPr>
               <a:t>&gt;&gt;&gt; a = </a:t>
             </a:r>
             <a:r>
-              <a:rPr lang="en-US" altLang="zh-TW" sz="2000" dirty="0" err="1">
-                <a:latin typeface="微軟正黑體" panose="020B0604030504040204" pitchFamily="34" charset="-120"/>
-                <a:ea typeface="微軟正黑體" panose="020B0604030504040204" pitchFamily="34" charset="-120"/>
-              </a:rPr>
-              <a:t>np.asarray</a:t>
+              <a:rPr lang="en-US" altLang="zh-TW" sz="2000" dirty="0" err="1" smtClean="0">
+                <a:latin typeface="微軟正黑體" panose="020B0604030504040204" pitchFamily="34" charset="-120"/>
+                <a:ea typeface="微軟正黑體" panose="020B0604030504040204" pitchFamily="34" charset="-120"/>
+              </a:rPr>
+              <a:t>np.arange</a:t>
+            </a:r>
+            <a:r>
+              <a:rPr lang="en-US" altLang="zh-TW" sz="2000" dirty="0" smtClean="0">
+                <a:latin typeface="微軟正黑體" panose="020B0604030504040204" pitchFamily="34" charset="-120"/>
+                <a:ea typeface="微軟正黑體" panose="020B0604030504040204" pitchFamily="34" charset="-120"/>
+              </a:rPr>
+              <a:t>(10</a:t>
             </a:r>
             <a:r>
               <a:rPr lang="en-US" altLang="zh-TW" sz="2000" dirty="0">
                 <a:latin typeface="微軟正黑體" panose="020B0604030504040204" pitchFamily="34" charset="-120"/>
                 <a:ea typeface="微軟正黑體" panose="020B0604030504040204" pitchFamily="34" charset="-120"/>
               </a:rPr>
-              <a:t>(l)</a:t>
-            </a:r>
-          </a:p>
-          <a:p>
-            <a:r>
-              <a:rPr lang="en-US" altLang="zh-TW" sz="2000" dirty="0">
-                <a:latin typeface="微軟正黑體" panose="020B0604030504040204" pitchFamily="34" charset="-120"/>
-                <a:ea typeface="微軟正黑體" panose="020B0604030504040204" pitchFamily="34" charset="-120"/>
-              </a:rPr>
-              <a:t>[0 1 2 3 4 5 6 7 8 9]</a:t>
-            </a:r>
-          </a:p>
-          <a:p>
-            <a:r>
-              <a:rPr lang="en-US" altLang="zh-TW" sz="2000" dirty="0">
-                <a:latin typeface="微軟正黑體" panose="020B0604030504040204" pitchFamily="34" charset="-120"/>
-                <a:ea typeface="微軟正黑體" panose="020B0604030504040204" pitchFamily="34" charset="-120"/>
-              </a:rPr>
-              <a:t>------------------------------</a:t>
-            </a:r>
-          </a:p>
-          <a:p>
-            <a:r>
-              <a:rPr lang="en-US" altLang="zh-TW" sz="2000" dirty="0">
-                <a:latin typeface="微軟正黑體" panose="020B0604030504040204" pitchFamily="34" charset="-120"/>
-                <a:ea typeface="微軟正黑體" panose="020B0604030504040204" pitchFamily="34" charset="-120"/>
-              </a:rPr>
-              <a:t>&gt;&gt;&gt; import </a:t>
-            </a:r>
-            <a:r>
-              <a:rPr lang="en-US" altLang="zh-TW" sz="2000" dirty="0" err="1">
-                <a:latin typeface="微軟正黑體" panose="020B0604030504040204" pitchFamily="34" charset="-120"/>
-                <a:ea typeface="微軟正黑體" panose="020B0604030504040204" pitchFamily="34" charset="-120"/>
-              </a:rPr>
-              <a:t>numpy</a:t>
-            </a:r>
-            <a:r>
-              <a:rPr lang="en-US" altLang="zh-TW" sz="2000" dirty="0">
-                <a:latin typeface="微軟正黑體" panose="020B0604030504040204" pitchFamily="34" charset="-120"/>
-                <a:ea typeface="微軟正黑體" panose="020B0604030504040204" pitchFamily="34" charset="-120"/>
-              </a:rPr>
-              <a:t> as </a:t>
-            </a:r>
-            <a:r>
-              <a:rPr lang="en-US" altLang="zh-TW" sz="2000" dirty="0">
-                <a:latin typeface="微軟正黑體" panose="020B0604030504040204" pitchFamily="34" charset="-120"/>
-                <a:ea typeface="微軟正黑體" panose="020B0604030504040204" pitchFamily="34" charset="-120"/>
-              </a:rPr>
-              <a:t>np</a:t>
-            </a:r>
-          </a:p>
-          <a:p>
-            <a:r>
-              <a:rPr lang="en-US" altLang="zh-TW" sz="2000" dirty="0">
-                <a:latin typeface="微軟正黑體" panose="020B0604030504040204" pitchFamily="34" charset="-120"/>
-                <a:ea typeface="微軟正黑體" panose="020B0604030504040204" pitchFamily="34" charset="-120"/>
-              </a:rPr>
-              <a:t>&gt;&gt;&gt; a = </a:t>
-            </a:r>
-            <a:r>
-              <a:rPr lang="en-US" altLang="zh-TW" sz="2000" dirty="0" err="1">
-                <a:latin typeface="微軟正黑體" panose="020B0604030504040204" pitchFamily="34" charset="-120"/>
-                <a:ea typeface="微軟正黑體" panose="020B0604030504040204" pitchFamily="34" charset="-120"/>
-              </a:rPr>
-              <a:t>np.arrange</a:t>
-            </a:r>
-            <a:r>
-              <a:rPr lang="en-US" altLang="zh-TW" sz="2000" dirty="0">
-                <a:latin typeface="微軟正黑體" panose="020B0604030504040204" pitchFamily="34" charset="-120"/>
-                <a:ea typeface="微軟正黑體" panose="020B0604030504040204" pitchFamily="34" charset="-120"/>
-              </a:rPr>
-              <a:t>(10)</a:t>
+              <a:t>)</a:t>
             </a:r>
           </a:p>
           <a:p>
@@ -8165,8 +8163,8 @@
         </p:nvSpPr>
         <p:spPr>
           <a:xfrm>
-            <a:off x="3461709" y="1904503"/>
-            <a:ext cx="5281254" cy="4154984"/>
+            <a:off x="3388557" y="1847195"/>
+            <a:ext cx="3802901" cy="4401205"/>
           </a:xfrm>
           <a:prstGeom prst="rect">
             <a:avLst/>
@@ -8180,83 +8178,160 @@
           <a:lstStyle/>
           <a:p>
             <a:r>
-              <a:rPr lang="en-US" altLang="zh-TW" sz="2400" dirty="0">
-                <a:latin typeface="微軟正黑體" panose="020B0604030504040204" pitchFamily="34" charset="-120"/>
-                <a:ea typeface="微軟正黑體" panose="020B0604030504040204" pitchFamily="34" charset="-120"/>
-              </a:rPr>
-              <a:t>&gt;&gt;&gt; numbers = [0 1 2 3 4 5 6 7 8 9]</a:t>
-            </a:r>
-          </a:p>
-          <a:p>
-            <a:r>
-              <a:rPr lang="en-US" altLang="zh-TW" sz="2400" dirty="0">
-                <a:latin typeface="微軟正黑體" panose="020B0604030504040204" pitchFamily="34" charset="-120"/>
-                <a:ea typeface="微軟正黑體" panose="020B0604030504040204" pitchFamily="34" charset="-120"/>
-              </a:rPr>
-              <a:t>&gt;&gt;&gt; numbers[3:5]</a:t>
-            </a:r>
-          </a:p>
-          <a:p>
-            <a:r>
-              <a:rPr lang="en-US" altLang="zh-TW" sz="2400" dirty="0">
-                <a:latin typeface="微軟正黑體" panose="020B0604030504040204" pitchFamily="34" charset="-120"/>
-                <a:ea typeface="微軟正黑體" panose="020B0604030504040204" pitchFamily="34" charset="-120"/>
-              </a:rPr>
-              <a:t>[3 4]</a:t>
-            </a:r>
-          </a:p>
-          <a:p>
-            <a:r>
-              <a:rPr lang="en-US" altLang="zh-TW" sz="2400" dirty="0">
-                <a:latin typeface="微軟正黑體" panose="020B0604030504040204" pitchFamily="34" charset="-120"/>
-                <a:ea typeface="微軟正黑體" panose="020B0604030504040204" pitchFamily="34" charset="-120"/>
-              </a:rPr>
-              <a:t>&gt;&gt;&gt; numbers[5:]</a:t>
-            </a:r>
-          </a:p>
-          <a:p>
-            <a:r>
-              <a:rPr lang="en-US" altLang="zh-TW" sz="2400" dirty="0">
-                <a:latin typeface="微軟正黑體" panose="020B0604030504040204" pitchFamily="34" charset="-120"/>
-                <a:ea typeface="微軟正黑體" panose="020B0604030504040204" pitchFamily="34" charset="-120"/>
-              </a:rPr>
-              <a:t>[5 6 7 8 9]</a:t>
-            </a:r>
-          </a:p>
-          <a:p>
-            <a:r>
-              <a:rPr lang="en-US" altLang="zh-TW" sz="2400" dirty="0">
-                <a:latin typeface="微軟正黑體" panose="020B0604030504040204" pitchFamily="34" charset="-120"/>
-                <a:ea typeface="微軟正黑體" panose="020B0604030504040204" pitchFamily="34" charset="-120"/>
-              </a:rPr>
-              <a:t>&gt;&gt;&gt; numbers[:5]</a:t>
-            </a:r>
-          </a:p>
-          <a:p>
-            <a:r>
-              <a:rPr lang="en-US" altLang="zh-TW" sz="2400" dirty="0">
-                <a:latin typeface="微軟正黑體" panose="020B0604030504040204" pitchFamily="34" charset="-120"/>
-                <a:ea typeface="微軟正黑體" panose="020B0604030504040204" pitchFamily="34" charset="-120"/>
-              </a:rPr>
-              <a:t>[0 1 2 3 4]</a:t>
-            </a:r>
-          </a:p>
-          <a:p>
-            <a:r>
-              <a:rPr lang="en-US" altLang="zh-TW" sz="2400" dirty="0">
-                <a:latin typeface="微軟正黑體" panose="020B0604030504040204" pitchFamily="34" charset="-120"/>
-                <a:ea typeface="微軟正黑體" panose="020B0604030504040204" pitchFamily="34" charset="-120"/>
-              </a:rPr>
-              <a:t>&gt;&gt;&gt; numbers[::2]</a:t>
-            </a:r>
-            <a:endParaRPr lang="en-US" altLang="zh-TW" sz="2400" dirty="0">
+              <a:rPr lang="zh-TW" altLang="en-US" sz="2000" dirty="0" smtClean="0">
+                <a:latin typeface="微軟正黑體" panose="020B0604030504040204" pitchFamily="34" charset="-120"/>
+                <a:ea typeface="微軟正黑體" panose="020B0604030504040204" pitchFamily="34" charset="-120"/>
+              </a:rPr>
+              <a:t>因為</a:t>
+            </a:r>
+            <a:r>
+              <a:rPr lang="en-US" altLang="zh-TW" sz="2000" dirty="0" smtClean="0">
+                <a:latin typeface="微軟正黑體" panose="020B0604030504040204" pitchFamily="34" charset="-120"/>
+                <a:ea typeface="微軟正黑體" panose="020B0604030504040204" pitchFamily="34" charset="-120"/>
+              </a:rPr>
+              <a:t>Python</a:t>
+            </a:r>
+            <a:r>
+              <a:rPr lang="zh-TW" altLang="en-US" sz="2000" dirty="0" smtClean="0">
+                <a:latin typeface="微軟正黑體" panose="020B0604030504040204" pitchFamily="34" charset="-120"/>
+                <a:ea typeface="微軟正黑體" panose="020B0604030504040204" pitchFamily="34" charset="-120"/>
+              </a:rPr>
+              <a:t>沒有 </a:t>
+            </a:r>
+            <a:r>
+              <a:rPr lang="en-US" altLang="zh-TW" sz="2000" dirty="0" smtClean="0">
+                <a:latin typeface="微軟正黑體" panose="020B0604030504040204" pitchFamily="34" charset="-120"/>
+                <a:ea typeface="微軟正黑體" panose="020B0604030504040204" pitchFamily="34" charset="-120"/>
+              </a:rPr>
+              <a:t>array</a:t>
+            </a:r>
+            <a:r>
+              <a:rPr lang="zh-TW" altLang="en-US" sz="2000" dirty="0" smtClean="0">
+                <a:latin typeface="微軟正黑體" panose="020B0604030504040204" pitchFamily="34" charset="-120"/>
+                <a:ea typeface="微軟正黑體" panose="020B0604030504040204" pitchFamily="34" charset="-120"/>
+              </a:rPr>
+              <a:t> 型態，</a:t>
+            </a:r>
+            <a:endParaRPr lang="en-US" altLang="zh-TW" sz="2000" dirty="0" smtClean="0">
               <a:latin typeface="微軟正黑體" panose="020B0604030504040204" pitchFamily="34" charset="-120"/>
               <a:ea typeface="微軟正黑體" panose="020B0604030504040204" pitchFamily="34" charset="-120"/>
             </a:endParaRPr>
           </a:p>
           <a:p>
             <a:r>
-              <a:rPr lang="en-US" altLang="zh-TW" sz="2400" dirty="0">
+              <a:rPr lang="zh-TW" altLang="en-US" sz="2000" dirty="0" smtClean="0">
+                <a:latin typeface="微軟正黑體" panose="020B0604030504040204" pitchFamily="34" charset="-120"/>
+                <a:ea typeface="微軟正黑體" panose="020B0604030504040204" pitchFamily="34" charset="-120"/>
+              </a:rPr>
+              <a:t>必須透過上一頁的方法取得</a:t>
+            </a:r>
+            <a:endParaRPr lang="en-US" altLang="zh-TW" sz="2000" dirty="0" smtClean="0">
+              <a:latin typeface="微軟正黑體" panose="020B0604030504040204" pitchFamily="34" charset="-120"/>
+              <a:ea typeface="微軟正黑體" panose="020B0604030504040204" pitchFamily="34" charset="-120"/>
+            </a:endParaRPr>
+          </a:p>
+          <a:p>
+            <a:r>
+              <a:rPr lang="en-US" altLang="zh-TW" sz="2000" dirty="0" smtClean="0">
+                <a:latin typeface="微軟正黑體" panose="020B0604030504040204" pitchFamily="34" charset="-120"/>
+                <a:ea typeface="微軟正黑體" panose="020B0604030504040204" pitchFamily="34" charset="-120"/>
+              </a:rPr>
+              <a:t>numbers </a:t>
+            </a:r>
+            <a:r>
+              <a:rPr lang="en-US" altLang="zh-TW" sz="2000" dirty="0">
+                <a:latin typeface="微軟正黑體" panose="020B0604030504040204" pitchFamily="34" charset="-120"/>
+                <a:ea typeface="微軟正黑體" panose="020B0604030504040204" pitchFamily="34" charset="-120"/>
+              </a:rPr>
+              <a:t>= [0 1 2 3 4 5 6 7 8 9</a:t>
+            </a:r>
+            <a:r>
+              <a:rPr lang="en-US" altLang="zh-TW" sz="2000" dirty="0" smtClean="0">
+                <a:latin typeface="微軟正黑體" panose="020B0604030504040204" pitchFamily="34" charset="-120"/>
+                <a:ea typeface="微軟正黑體" panose="020B0604030504040204" pitchFamily="34" charset="-120"/>
+              </a:rPr>
+              <a:t>]</a:t>
+            </a:r>
+          </a:p>
+          <a:p>
+            <a:r>
+              <a:rPr lang="en-US" altLang="zh-TW" sz="2000" dirty="0" smtClean="0">
+                <a:latin typeface="微軟正黑體" panose="020B0604030504040204" pitchFamily="34" charset="-120"/>
+                <a:ea typeface="微軟正黑體" panose="020B0604030504040204" pitchFamily="34" charset="-120"/>
+              </a:rPr>
+              <a:t>---</a:t>
+            </a:r>
+            <a:endParaRPr lang="en-US" altLang="zh-TW" sz="2000" dirty="0">
+              <a:latin typeface="微軟正黑體" panose="020B0604030504040204" pitchFamily="34" charset="-120"/>
+              <a:ea typeface="微軟正黑體" panose="020B0604030504040204" pitchFamily="34" charset="-120"/>
+            </a:endParaRPr>
+          </a:p>
+          <a:p>
+            <a:r>
+              <a:rPr lang="en-US" altLang="zh-TW" sz="2000" dirty="0">
+                <a:latin typeface="微軟正黑體" panose="020B0604030504040204" pitchFamily="34" charset="-120"/>
+                <a:ea typeface="微軟正黑體" panose="020B0604030504040204" pitchFamily="34" charset="-120"/>
+              </a:rPr>
+              <a:t>&gt;&gt;&gt; numbers[3:5]</a:t>
+            </a:r>
+          </a:p>
+          <a:p>
+            <a:r>
+              <a:rPr lang="en-US" altLang="zh-TW" sz="2000" dirty="0">
+                <a:latin typeface="微軟正黑體" panose="020B0604030504040204" pitchFamily="34" charset="-120"/>
+                <a:ea typeface="微軟正黑體" panose="020B0604030504040204" pitchFamily="34" charset="-120"/>
+              </a:rPr>
+              <a:t>[3 4]</a:t>
+            </a:r>
+          </a:p>
+          <a:p>
+            <a:r>
+              <a:rPr lang="en-US" altLang="zh-TW" sz="2000" dirty="0">
+                <a:latin typeface="微軟正黑體" panose="020B0604030504040204" pitchFamily="34" charset="-120"/>
+                <a:ea typeface="微軟正黑體" panose="020B0604030504040204" pitchFamily="34" charset="-120"/>
+              </a:rPr>
+              <a:t>&gt;&gt;&gt; numbers[5:]</a:t>
+            </a:r>
+          </a:p>
+          <a:p>
+            <a:r>
+              <a:rPr lang="en-US" altLang="zh-TW" sz="2000" dirty="0">
+                <a:latin typeface="微軟正黑體" panose="020B0604030504040204" pitchFamily="34" charset="-120"/>
+                <a:ea typeface="微軟正黑體" panose="020B0604030504040204" pitchFamily="34" charset="-120"/>
+              </a:rPr>
+              <a:t>[5 6 7 8 9]</a:t>
+            </a:r>
+          </a:p>
+          <a:p>
+            <a:r>
+              <a:rPr lang="en-US" altLang="zh-TW" sz="2000" dirty="0">
+                <a:latin typeface="微軟正黑體" panose="020B0604030504040204" pitchFamily="34" charset="-120"/>
+                <a:ea typeface="微軟正黑體" panose="020B0604030504040204" pitchFamily="34" charset="-120"/>
+              </a:rPr>
+              <a:t>&gt;&gt;&gt; numbers[:5]</a:t>
+            </a:r>
+          </a:p>
+          <a:p>
+            <a:r>
+              <a:rPr lang="en-US" altLang="zh-TW" sz="2000" dirty="0">
+                <a:latin typeface="微軟正黑體" panose="020B0604030504040204" pitchFamily="34" charset="-120"/>
+                <a:ea typeface="微軟正黑體" panose="020B0604030504040204" pitchFamily="34" charset="-120"/>
+              </a:rPr>
+              <a:t>[0 1 2 3 4]</a:t>
+            </a:r>
+          </a:p>
+          <a:p>
+            <a:r>
+              <a:rPr lang="en-US" altLang="zh-TW" sz="2000" dirty="0">
+                <a:latin typeface="微軟正黑體" panose="020B0604030504040204" pitchFamily="34" charset="-120"/>
+                <a:ea typeface="微軟正黑體" panose="020B0604030504040204" pitchFamily="34" charset="-120"/>
+              </a:rPr>
+              <a:t>&gt;&gt;&gt; numbers[::2]</a:t>
+            </a:r>
+          </a:p>
+          <a:p>
+            <a:r>
+              <a:rPr lang="en-US" altLang="zh-TW" sz="2000" dirty="0">
                 <a:latin typeface="微軟正黑體" panose="020B0604030504040204" pitchFamily="34" charset="-120"/>
                 <a:ea typeface="微軟正黑體" panose="020B0604030504040204" pitchFamily="34" charset="-120"/>
               </a:rPr>
@@ -8265,7 +8340,7 @@
           </a:p>
           <a:p>
             <a:r>
-              <a:rPr lang="en-US" altLang="zh-TW" sz="2400" dirty="0">
+              <a:rPr lang="en-US" altLang="zh-TW" sz="2000" dirty="0">
                 <a:latin typeface="微軟正黑體" panose="020B0604030504040204" pitchFamily="34" charset="-120"/>
                 <a:ea typeface="微軟正黑體" panose="020B0604030504040204" pitchFamily="34" charset="-120"/>
               </a:rPr>
@@ -8274,7 +8349,7 @@
           </a:p>
           <a:p>
             <a:r>
-              <a:rPr lang="en-US" altLang="zh-TW" sz="2400" dirty="0">
+              <a:rPr lang="en-US" altLang="zh-TW" sz="2000" dirty="0">
                 <a:latin typeface="微軟正黑體" panose="020B0604030504040204" pitchFamily="34" charset="-120"/>
                 <a:ea typeface="微軟正黑體" panose="020B0604030504040204" pitchFamily="34" charset="-120"/>
               </a:rPr>
@@ -8370,14 +8445,7 @@
                 <a:latin typeface="微軟正黑體" panose="020B0604030504040204" pitchFamily="34" charset="-120"/>
                 <a:ea typeface="微軟正黑體" panose="020B0604030504040204" pitchFamily="34" charset="-120"/>
               </a:rPr>
-              <a:t>字典</a:t>
-            </a:r>
-            <a:r>
-              <a:rPr lang="zh-TW" altLang="en-US" sz="4000" b="1" dirty="0">
-                <a:latin typeface="微軟正黑體" panose="020B0604030504040204" pitchFamily="34" charset="-120"/>
-                <a:ea typeface="微軟正黑體" panose="020B0604030504040204" pitchFamily="34" charset="-120"/>
-              </a:rPr>
-              <a:t> </a:t>
+              <a:t>字典 </a:t>
             </a:r>
             <a:r>
               <a:rPr lang="en-US" altLang="zh-TW" sz="4000" b="1" dirty="0">
@@ -8564,14 +8632,7 @@
                 <a:latin typeface="微軟正黑體" panose="020B0604030504040204" pitchFamily="34" charset="-120"/>
                 <a:ea typeface="微軟正黑體" panose="020B0604030504040204" pitchFamily="34" charset="-120"/>
               </a:rPr>
-              <a:t>([0, 1, 2, 3, 4, 5, 6, 7, 8, 9</a:t>
-            </a:r>
-            <a:r>
-              <a:rPr lang="en-US" altLang="zh-TW" sz="2000" dirty="0">
-                <a:latin typeface="微軟正黑體" panose="020B0604030504040204" pitchFamily="34" charset="-120"/>
-                <a:ea typeface="微軟正黑體" panose="020B0604030504040204" pitchFamily="34" charset="-120"/>
-              </a:rPr>
-              <a:t>])</a:t>
+              <a:t>([0, 1, 2, 3, 4, 5, 6, 7, 8, 9])</a:t>
             </a:r>
           </a:p>
           <a:p>
@@ -8618,10 +8679,6 @@
               </a:rPr>
               <a:t>([0, 1, 4, 9, 16, 25, 36, 49, 64, 81])</a:t>
             </a:r>
-            <a:endParaRPr lang="en-US" altLang="zh-TW" sz="2000" dirty="0">
-              <a:latin typeface="微軟正黑體" panose="020B0604030504040204" pitchFamily="34" charset="-120"/>
-              <a:ea typeface="微軟正黑體" panose="020B0604030504040204" pitchFamily="34" charset="-120"/>
-            </a:endParaRPr>
           </a:p>
         </p:txBody>
       </p:sp>
@@ -8752,14 +8809,7 @@
                 <a:latin typeface="微軟正黑體" panose="020B0604030504040204" pitchFamily="34" charset="-120"/>
                 <a:ea typeface="微軟正黑體" panose="020B0604030504040204" pitchFamily="34" charset="-120"/>
               </a:rPr>
-              <a:t>f</a:t>
-            </a:r>
-            <a:r>
-              <a:rPr lang="en-US" altLang="zh-CN" sz="2800" dirty="0">
-                <a:latin typeface="微軟正黑體" panose="020B0604030504040204" pitchFamily="34" charset="-120"/>
-                <a:ea typeface="微軟正黑體" panose="020B0604030504040204" pitchFamily="34" charset="-120"/>
-              </a:rPr>
-              <a:t>or loop</a:t>
+              <a:t>for loop</a:t>
             </a:r>
           </a:p>
           <a:p>
@@ -9015,14 +9065,7 @@
                 <a:latin typeface="微軟正黑體" panose="020B0604030504040204" pitchFamily="34" charset="-120"/>
                 <a:ea typeface="微軟正黑體" panose="020B0604030504040204" pitchFamily="34" charset="-120"/>
               </a:rPr>
-              <a:t> </a:t>
-            </a:r>
-            <a:r>
-              <a:rPr lang="zh-TW" altLang="en-US" sz="2000" dirty="0">
-                <a:latin typeface="微軟正黑體" panose="020B0604030504040204" pitchFamily="34" charset="-120"/>
-                <a:ea typeface="微軟正黑體" panose="020B0604030504040204" pitchFamily="34" charset="-120"/>
-              </a:rPr>
-              <a:t>                </a:t>
+              <a:t>                 </a:t>
             </a:r>
             <a:r>
               <a:rPr lang="en-US" altLang="zh-TW" sz="2000" dirty="0" err="1">
@@ -9229,14 +9272,7 @@
                 <a:latin typeface="微軟正黑體" panose="020B0604030504040204" pitchFamily="34" charset="-120"/>
                 <a:ea typeface="微軟正黑體" panose="020B0604030504040204" pitchFamily="34" charset="-120"/>
               </a:rPr>
-              <a:t>&gt;&gt;&gt; </a:t>
-            </a:r>
-            <a:r>
-              <a:rPr lang="en-US" altLang="zh-TW" sz="2000" dirty="0">
-                <a:latin typeface="微軟正黑體" panose="020B0604030504040204" pitchFamily="34" charset="-120"/>
-                <a:ea typeface="微軟正黑體" panose="020B0604030504040204" pitchFamily="34" charset="-120"/>
-              </a:rPr>
-              <a:t>square = {number: </a:t>
+              <a:t>&gt;&gt;&gt; square = {number: </a:t>
             </a:r>
             <a:r>
               <a:rPr lang="en-US" altLang="zh-TW" sz="2000" dirty="0">
@@ -10033,14 +10069,7 @@
                 <a:latin typeface="微軟正黑體" panose="020B0604030504040204" pitchFamily="34" charset="-120"/>
                 <a:ea typeface="微軟正黑體" panose="020B0604030504040204" pitchFamily="34" charset="-120"/>
               </a:rPr>
-              <a:t>i</a:t>
-            </a:r>
-            <a:r>
-              <a:rPr lang="en-US" altLang="zh-CN" sz="4000" dirty="0">
-                <a:latin typeface="微軟正黑體" panose="020B0604030504040204" pitchFamily="34" charset="-120"/>
-                <a:ea typeface="微軟正黑體" panose="020B0604030504040204" pitchFamily="34" charset="-120"/>
-              </a:rPr>
-              <a:t>f…else…</a:t>
+              <a:t>if…else…</a:t>
             </a:r>
             <a:endParaRPr lang="zh-CN" altLang="en-US" sz="4000" dirty="0">
               <a:latin typeface="微軟正黑體" panose="020B0604030504040204" pitchFamily="34" charset="-120"/>
@@ -10148,14 +10177,7 @@
                 <a:latin typeface="微軟正黑體" panose="020B0604030504040204" pitchFamily="34" charset="-120"/>
                 <a:ea typeface="微軟正黑體" panose="020B0604030504040204" pitchFamily="34" charset="-120"/>
               </a:rPr>
-              <a:t> </a:t>
-            </a:r>
-            <a:r>
-              <a:rPr lang="zh-TW" altLang="en-US" sz="2000" dirty="0">
-                <a:latin typeface="微軟正黑體" panose="020B0604030504040204" pitchFamily="34" charset="-120"/>
-                <a:ea typeface="微軟正黑體" panose="020B0604030504040204" pitchFamily="34" charset="-120"/>
-              </a:rPr>
-              <a:t>                </a:t>
+              <a:t>                 </a:t>
             </a:r>
             <a:r>
               <a:rPr lang="en-US" altLang="zh-TW" sz="2000" dirty="0" err="1">
@@ -10284,51 +10306,251 @@
                 <a:latin typeface="微軟正黑體" panose="020B0604030504040204" pitchFamily="34" charset="-120"/>
                 <a:ea typeface="微軟正黑體" panose="020B0604030504040204" pitchFamily="34" charset="-120"/>
               </a:rPr>
-              <a:t>numbers </a:t>
+              <a:t>numbers = [ </a:t>
+            </a:r>
+            <a:r>
+              <a:rPr lang="en-US" altLang="zh-TW" sz="2000" dirty="0" err="1">
+                <a:solidFill>
+                  <a:srgbClr val="FFFF00"/>
+                </a:solidFill>
+                <a:latin typeface="微軟正黑體" panose="020B0604030504040204" pitchFamily="34" charset="-120"/>
+                <a:ea typeface="微軟正黑體" panose="020B0604030504040204" pitchFamily="34" charset="-120"/>
+              </a:rPr>
+              <a:t>i</a:t>
             </a:r>
             <a:r>
               <a:rPr lang="en-US" altLang="zh-TW" sz="2000" dirty="0">
                 <a:latin typeface="微軟正黑體" panose="020B0604030504040204" pitchFamily="34" charset="-120"/>
                 <a:ea typeface="微軟正黑體" panose="020B0604030504040204" pitchFamily="34" charset="-120"/>
               </a:rPr>
-              <a:t>= </a:t>
+              <a:t> for </a:t>
+            </a:r>
+            <a:r>
+              <a:rPr lang="en-US" altLang="zh-TW" sz="2000" dirty="0" err="1">
+                <a:solidFill>
+                  <a:srgbClr val="FFFF00"/>
+                </a:solidFill>
+                <a:latin typeface="微軟正黑體" panose="020B0604030504040204" pitchFamily="34" charset="-120"/>
+                <a:ea typeface="微軟正黑體" panose="020B0604030504040204" pitchFamily="34" charset="-120"/>
+              </a:rPr>
+              <a:t>i</a:t>
             </a:r>
             <a:r>
               <a:rPr lang="en-US" altLang="zh-TW" sz="2000" dirty="0">
                 <a:latin typeface="微軟正黑體" panose="020B0604030504040204" pitchFamily="34" charset="-120"/>
                 <a:ea typeface="微軟正黑體" panose="020B0604030504040204" pitchFamily="34" charset="-120"/>
               </a:rPr>
-              <a:t>[ </a:t>
+              <a:t> in range(</a:t>
+            </a:r>
+            <a:r>
+              <a:rPr lang="en-US" altLang="zh-TW" sz="2000" dirty="0">
+                <a:solidFill>
+                  <a:srgbClr val="FFFF00"/>
+                </a:solidFill>
+                <a:latin typeface="微軟正黑體" panose="020B0604030504040204" pitchFamily="34" charset="-120"/>
+                <a:ea typeface="微軟正黑體" panose="020B0604030504040204" pitchFamily="34" charset="-120"/>
+              </a:rPr>
+              <a:t>10</a:t>
+            </a:r>
+            <a:r>
+              <a:rPr lang="en-US" altLang="zh-TW" sz="2000" dirty="0">
+                <a:latin typeface="微軟正黑體" panose="020B0604030504040204" pitchFamily="34" charset="-120"/>
+                <a:ea typeface="微軟正黑體" panose="020B0604030504040204" pitchFamily="34" charset="-120"/>
+              </a:rPr>
+              <a:t>) ]</a:t>
+            </a:r>
+          </a:p>
+          <a:p>
+            <a:r>
+              <a:rPr lang="en-US" altLang="zh-TW" sz="2000" dirty="0">
+                <a:latin typeface="微軟正黑體" panose="020B0604030504040204" pitchFamily="34" charset="-120"/>
+                <a:ea typeface="微軟正黑體" panose="020B0604030504040204" pitchFamily="34" charset="-120"/>
+              </a:rPr>
+              <a:t>[0, 1, 2, 3, 4, 5, 6, 7, 8, 9]</a:t>
+            </a:r>
+          </a:p>
+          <a:p>
+            <a:r>
+              <a:rPr lang="en-US" altLang="zh-TW" sz="2000" dirty="0">
+                <a:latin typeface="微軟正黑體" panose="020B0604030504040204" pitchFamily="34" charset="-120"/>
+                <a:ea typeface="微軟正黑體" panose="020B0604030504040204" pitchFamily="34" charset="-120"/>
+              </a:rPr>
+              <a:t>---------------------------------</a:t>
+            </a:r>
+          </a:p>
+          <a:p>
+            <a:r>
+              <a:rPr lang="en-US" altLang="zh-TW" sz="2000" dirty="0">
+                <a:latin typeface="微軟正黑體" panose="020B0604030504040204" pitchFamily="34" charset="-120"/>
+                <a:ea typeface="微軟正黑體" panose="020B0604030504040204" pitchFamily="34" charset="-120"/>
+              </a:rPr>
+              <a:t>for </a:t>
             </a:r>
             <a:r>
               <a:rPr lang="en-US" altLang="zh-TW" sz="2000" dirty="0" err="1">
+                <a:latin typeface="微軟正黑體" panose="020B0604030504040204" pitchFamily="34" charset="-120"/>
+                <a:ea typeface="微軟正黑體" panose="020B0604030504040204" pitchFamily="34" charset="-120"/>
+              </a:rPr>
+              <a:t>i</a:t>
+            </a:r>
+            <a:r>
+              <a:rPr lang="en-US" altLang="zh-TW" sz="2000" dirty="0">
+                <a:latin typeface="微軟正黑體" panose="020B0604030504040204" pitchFamily="34" charset="-120"/>
+                <a:ea typeface="微軟正黑體" panose="020B0604030504040204" pitchFamily="34" charset="-120"/>
+              </a:rPr>
+              <a:t> in range(</a:t>
+            </a:r>
+            <a:r>
+              <a:rPr lang="en-US" altLang="zh-TW" sz="2000" dirty="0" err="1">
+                <a:latin typeface="微軟正黑體" panose="020B0604030504040204" pitchFamily="34" charset="-120"/>
+                <a:ea typeface="微軟正黑體" panose="020B0604030504040204" pitchFamily="34" charset="-120"/>
+              </a:rPr>
+              <a:t>len</a:t>
+            </a:r>
+            <a:r>
+              <a:rPr lang="en-US" altLang="zh-TW" sz="2000" dirty="0">
+                <a:latin typeface="微軟正黑體" panose="020B0604030504040204" pitchFamily="34" charset="-120"/>
+                <a:ea typeface="微軟正黑體" panose="020B0604030504040204" pitchFamily="34" charset="-120"/>
+              </a:rPr>
+              <a:t>(numbers)):</a:t>
+            </a:r>
+          </a:p>
+          <a:p>
+            <a:r>
+              <a:rPr lang="en-US" altLang="zh-TW" sz="2000" dirty="0">
+                <a:latin typeface="微軟正黑體" panose="020B0604030504040204" pitchFamily="34" charset="-120"/>
+                <a:ea typeface="微軟正黑體" panose="020B0604030504040204" pitchFamily="34" charset="-120"/>
+              </a:rPr>
+              <a:t>    if( </a:t>
+            </a:r>
+            <a:r>
+              <a:rPr lang="en-US" altLang="zh-TW" sz="2000" dirty="0" err="1">
+                <a:solidFill>
+                  <a:srgbClr val="00B050"/>
+                </a:solidFill>
+                <a:latin typeface="微軟正黑體" panose="020B0604030504040204" pitchFamily="34" charset="-120"/>
+                <a:ea typeface="微軟正黑體" panose="020B0604030504040204" pitchFamily="34" charset="-120"/>
+              </a:rPr>
+              <a:t>i</a:t>
+            </a:r>
+            <a:r>
+              <a:rPr lang="en-US" altLang="zh-TW" sz="2000" dirty="0">
+                <a:solidFill>
+                  <a:srgbClr val="00B050"/>
+                </a:solidFill>
+                <a:latin typeface="微軟正黑體" panose="020B0604030504040204" pitchFamily="34" charset="-120"/>
+                <a:ea typeface="微軟正黑體" panose="020B0604030504040204" pitchFamily="34" charset="-120"/>
+              </a:rPr>
+              <a:t> == 0 </a:t>
+            </a:r>
+            <a:r>
+              <a:rPr lang="en-US" altLang="zh-TW" sz="2000" dirty="0">
+                <a:latin typeface="微軟正黑體" panose="020B0604030504040204" pitchFamily="34" charset="-120"/>
+                <a:ea typeface="微軟正黑體" panose="020B0604030504040204" pitchFamily="34" charset="-120"/>
+              </a:rPr>
+              <a:t>):</a:t>
+            </a:r>
+          </a:p>
+          <a:p>
+            <a:r>
+              <a:rPr lang="en-US" altLang="zh-TW" sz="2000" dirty="0">
+                <a:latin typeface="微軟正黑體" panose="020B0604030504040204" pitchFamily="34" charset="-120"/>
+                <a:ea typeface="微軟正黑體" panose="020B0604030504040204" pitchFamily="34" charset="-120"/>
+              </a:rPr>
+              <a:t>        print(</a:t>
+            </a:r>
+            <a:r>
+              <a:rPr lang="en-US" altLang="zh-TW" sz="2000" dirty="0" err="1">
+                <a:latin typeface="微軟正黑體" panose="020B0604030504040204" pitchFamily="34" charset="-120"/>
+                <a:ea typeface="微軟正黑體" panose="020B0604030504040204" pitchFamily="34" charset="-120"/>
+              </a:rPr>
+              <a:t>i</a:t>
+            </a:r>
+            <a:r>
+              <a:rPr lang="en-US" altLang="zh-TW" sz="2000" dirty="0">
+                <a:latin typeface="微軟正黑體" panose="020B0604030504040204" pitchFamily="34" charset="-120"/>
+                <a:ea typeface="微軟正黑體" panose="020B0604030504040204" pitchFamily="34" charset="-120"/>
+              </a:rPr>
+              <a:t>, '</a:t>
+            </a:r>
+            <a:r>
+              <a:rPr lang="zh-TW" altLang="en-US" sz="2000" dirty="0">
+                <a:latin typeface="微軟正黑體" panose="020B0604030504040204" pitchFamily="34" charset="-120"/>
+                <a:ea typeface="微軟正黑體" panose="020B0604030504040204" pitchFamily="34" charset="-120"/>
+              </a:rPr>
+              <a:t>是奇數也是偶數</a:t>
+            </a:r>
+            <a:r>
+              <a:rPr lang="en-US" altLang="zh-TW" sz="2000" dirty="0">
+                <a:latin typeface="微軟正黑體" panose="020B0604030504040204" pitchFamily="34" charset="-120"/>
+                <a:ea typeface="微軟正黑體" panose="020B0604030504040204" pitchFamily="34" charset="-120"/>
+              </a:rPr>
+              <a:t>')</a:t>
+            </a:r>
+          </a:p>
+          <a:p>
+            <a:r>
+              <a:rPr lang="en-US" altLang="zh-TW" sz="2000" dirty="0">
+                <a:latin typeface="微軟正黑體" panose="020B0604030504040204" pitchFamily="34" charset="-120"/>
+                <a:ea typeface="微軟正黑體" panose="020B0604030504040204" pitchFamily="34" charset="-120"/>
+              </a:rPr>
+              <a:t>    </a:t>
+            </a:r>
+            <a:r>
+              <a:rPr lang="en-US" altLang="zh-TW" sz="2000" dirty="0" err="1">
                 <a:solidFill>
                   <a:srgbClr val="FFFF00"/>
                 </a:solidFill>
                 <a:latin typeface="微軟正黑體" panose="020B0604030504040204" pitchFamily="34" charset="-120"/>
                 <a:ea typeface="微軟正黑體" panose="020B0604030504040204" pitchFamily="34" charset="-120"/>
               </a:rPr>
+              <a:t>elif</a:t>
+            </a:r>
+            <a:r>
+              <a:rPr lang="en-US" altLang="zh-TW" sz="2000" dirty="0">
+                <a:latin typeface="微軟正黑體" panose="020B0604030504040204" pitchFamily="34" charset="-120"/>
+                <a:ea typeface="微軟正黑體" panose="020B0604030504040204" pitchFamily="34" charset="-120"/>
+              </a:rPr>
+              <a:t>( </a:t>
+            </a:r>
+            <a:r>
+              <a:rPr lang="en-US" altLang="zh-TW" sz="2000" dirty="0" err="1">
+                <a:solidFill>
+                  <a:srgbClr val="00B050"/>
+                </a:solidFill>
+                <a:latin typeface="微軟正黑體" panose="020B0604030504040204" pitchFamily="34" charset="-120"/>
+                <a:ea typeface="微軟正黑體" panose="020B0604030504040204" pitchFamily="34" charset="-120"/>
+              </a:rPr>
               <a:t>i</a:t>
             </a:r>
             <a:r>
               <a:rPr lang="en-US" altLang="zh-TW" sz="2000" dirty="0">
-                <a:latin typeface="微軟正黑體" panose="020B0604030504040204" pitchFamily="34" charset="-120"/>
-                <a:ea typeface="微軟正黑體" panose="020B0604030504040204" pitchFamily="34" charset="-120"/>
-              </a:rPr>
-              <a:t> </a:t>
+                <a:solidFill>
+                  <a:srgbClr val="00B050"/>
+                </a:solidFill>
+                <a:latin typeface="微軟正黑體" panose="020B0604030504040204" pitchFamily="34" charset="-120"/>
+                <a:ea typeface="微軟正黑體" panose="020B0604030504040204" pitchFamily="34" charset="-120"/>
+              </a:rPr>
+              <a:t> % 2 == 1 </a:t>
             </a:r>
             <a:r>
               <a:rPr lang="en-US" altLang="zh-TW" sz="2000" dirty="0">
                 <a:latin typeface="微軟正黑體" panose="020B0604030504040204" pitchFamily="34" charset="-120"/>
                 <a:ea typeface="微軟正黑體" panose="020B0604030504040204" pitchFamily="34" charset="-120"/>
               </a:rPr>
-              <a:t>for </a:t>
+              <a:t>):</a:t>
+            </a:r>
+          </a:p>
+          <a:p>
+            <a:r>
+              <a:rPr lang="en-US" altLang="zh-TW" sz="2000" dirty="0">
+                <a:latin typeface="微軟正黑體" panose="020B0604030504040204" pitchFamily="34" charset="-120"/>
+                <a:ea typeface="微軟正黑體" panose="020B0604030504040204" pitchFamily="34" charset="-120"/>
+              </a:rPr>
+              <a:t>        print( </a:t>
             </a:r>
             <a:r>
               <a:rPr lang="en-US" altLang="zh-TW" sz="2000" dirty="0" err="1">
-                <a:solidFill>
-                  <a:srgbClr val="FFFF00"/>
-                </a:solidFill>
                 <a:latin typeface="微軟正黑體" panose="020B0604030504040204" pitchFamily="34" charset="-120"/>
                 <a:ea typeface="微軟正黑體" panose="020B0604030504040204" pitchFamily="34" charset="-120"/>
               </a:rPr>
@@ -10339,24 +10561,30 @@
                 <a:latin typeface="微軟正黑體" panose="020B0604030504040204" pitchFamily="34" charset="-120"/>
                 <a:ea typeface="微軟正黑體" panose="020B0604030504040204" pitchFamily="34" charset="-120"/>
               </a:rPr>
-              <a:t> in range(</a:t>
+              <a:t>, '</a:t>
+            </a:r>
+            <a:r>
+              <a:rPr lang="zh-TW" altLang="en-US" sz="2000" dirty="0">
+                <a:latin typeface="微軟正黑體" panose="020B0604030504040204" pitchFamily="34" charset="-120"/>
+                <a:ea typeface="微軟正黑體" panose="020B0604030504040204" pitchFamily="34" charset="-120"/>
+              </a:rPr>
+              <a:t>奇數</a:t>
             </a:r>
             <a:r>
               <a:rPr lang="en-US" altLang="zh-TW" sz="2000" dirty="0">
-                <a:solidFill>
-                  <a:srgbClr val="FFFF00"/>
-                </a:solidFill>
-                <a:latin typeface="微軟正黑體" panose="020B0604030504040204" pitchFamily="34" charset="-120"/>
-                <a:ea typeface="微軟正黑體" panose="020B0604030504040204" pitchFamily="34" charset="-120"/>
-              </a:rPr>
-              <a:t>10</a:t>
-            </a:r>
+                <a:latin typeface="微軟正黑體" panose="020B0604030504040204" pitchFamily="34" charset="-120"/>
+                <a:ea typeface="微軟正黑體" panose="020B0604030504040204" pitchFamily="34" charset="-120"/>
+              </a:rPr>
+              <a:t>'  )</a:t>
+            </a:r>
+          </a:p>
+          <a:p>
             <a:r>
               <a:rPr lang="en-US" altLang="zh-TW" sz="2000" dirty="0">
                 <a:latin typeface="微軟正黑體" panose="020B0604030504040204" pitchFamily="34" charset="-120"/>
                 <a:ea typeface="微軟正黑體" panose="020B0604030504040204" pitchFamily="34" charset="-120"/>
               </a:rPr>
-              <a:t>) ]</a:t>
+              <a:t>    else:</a:t>
             </a:r>
           </a:p>
           <a:p>
@@ -10365,327 +10593,35 @@
                 <a:latin typeface="微軟正黑體" panose="020B0604030504040204" pitchFamily="34" charset="-120"/>
                 <a:ea typeface="微軟正黑體" panose="020B0604030504040204" pitchFamily="34" charset="-120"/>
               </a:rPr>
-              <a:t>[0, 1, 2, 3, 4, 5, 6, 7, 8, 9]</a:t>
-            </a:r>
-          </a:p>
-          <a:p>
+              <a:t>        print( </a:t>
+            </a:r>
+            <a:r>
+              <a:rPr lang="en-US" altLang="zh-TW" sz="2000" dirty="0" err="1">
+                <a:latin typeface="微軟正黑體" panose="020B0604030504040204" pitchFamily="34" charset="-120"/>
+                <a:ea typeface="微軟正黑體" panose="020B0604030504040204" pitchFamily="34" charset="-120"/>
+              </a:rPr>
+              <a:t>i</a:t>
+            </a:r>
             <a:r>
               <a:rPr lang="en-US" altLang="zh-TW" sz="2000" dirty="0">
                 <a:latin typeface="微軟正黑體" panose="020B0604030504040204" pitchFamily="34" charset="-120"/>
                 <a:ea typeface="微軟正黑體" panose="020B0604030504040204" pitchFamily="34" charset="-120"/>
               </a:rPr>
-              <a:t>---------------------------------</a:t>
-            </a:r>
-            <a:endParaRPr lang="en-US" altLang="zh-TW" sz="2000" dirty="0">
-              <a:latin typeface="微軟正黑體" panose="020B0604030504040204" pitchFamily="34" charset="-120"/>
-              <a:ea typeface="微軟正黑體" panose="020B0604030504040204" pitchFamily="34" charset="-120"/>
-            </a:endParaRPr>
-          </a:p>
-          <a:p>
+              <a:t>, '</a:t>
+            </a:r>
+            <a:r>
+              <a:rPr lang="zh-TW" altLang="en-US" sz="2000" dirty="0">
+                <a:latin typeface="微軟正黑體" panose="020B0604030504040204" pitchFamily="34" charset="-120"/>
+                <a:ea typeface="微軟正黑體" panose="020B0604030504040204" pitchFamily="34" charset="-120"/>
+              </a:rPr>
+              <a:t>偶數</a:t>
+            </a:r>
             <a:r>
               <a:rPr lang="en-US" altLang="zh-TW" sz="2000" dirty="0">
                 <a:latin typeface="微軟正黑體" panose="020B0604030504040204" pitchFamily="34" charset="-120"/>
                 <a:ea typeface="微軟正黑體" panose="020B0604030504040204" pitchFamily="34" charset="-120"/>
               </a:rPr>
-              <a:t>for </a:t>
-            </a:r>
-            <a:r>
-              <a:rPr lang="en-US" altLang="zh-TW" sz="2000" dirty="0" err="1">
-                <a:latin typeface="微軟正黑體" panose="020B0604030504040204" pitchFamily="34" charset="-120"/>
-                <a:ea typeface="微軟正黑體" panose="020B0604030504040204" pitchFamily="34" charset="-120"/>
-              </a:rPr>
-              <a:t>i</a:t>
-            </a:r>
-            <a:r>
-              <a:rPr lang="en-US" altLang="zh-TW" sz="2000" dirty="0">
-                <a:latin typeface="微軟正黑體" panose="020B0604030504040204" pitchFamily="34" charset="-120"/>
-                <a:ea typeface="微軟正黑體" panose="020B0604030504040204" pitchFamily="34" charset="-120"/>
-              </a:rPr>
-              <a:t> in range(</a:t>
-            </a:r>
-            <a:r>
-              <a:rPr lang="en-US" altLang="zh-TW" sz="2000" dirty="0" err="1">
-                <a:latin typeface="微軟正黑體" panose="020B0604030504040204" pitchFamily="34" charset="-120"/>
-                <a:ea typeface="微軟正黑體" panose="020B0604030504040204" pitchFamily="34" charset="-120"/>
-              </a:rPr>
-              <a:t>len</a:t>
-            </a:r>
-            <a:r>
-              <a:rPr lang="en-US" altLang="zh-TW" sz="2000" dirty="0">
-                <a:latin typeface="微軟正黑體" panose="020B0604030504040204" pitchFamily="34" charset="-120"/>
-                <a:ea typeface="微軟正黑體" panose="020B0604030504040204" pitchFamily="34" charset="-120"/>
-              </a:rPr>
-              <a:t>(numbers)):</a:t>
-            </a:r>
-          </a:p>
-          <a:p>
-            <a:r>
-              <a:rPr lang="en-US" altLang="zh-TW" sz="2000" dirty="0">
-                <a:latin typeface="微軟正黑體" panose="020B0604030504040204" pitchFamily="34" charset="-120"/>
-                <a:ea typeface="微軟正黑體" panose="020B0604030504040204" pitchFamily="34" charset="-120"/>
-              </a:rPr>
-              <a:t>    if</a:t>
-            </a:r>
-            <a:r>
-              <a:rPr lang="en-US" altLang="zh-TW" sz="2000" dirty="0">
-                <a:latin typeface="微軟正黑體" panose="020B0604030504040204" pitchFamily="34" charset="-120"/>
-                <a:ea typeface="微軟正黑體" panose="020B0604030504040204" pitchFamily="34" charset="-120"/>
-              </a:rPr>
-              <a:t>( </a:t>
-            </a:r>
-            <a:r>
-              <a:rPr lang="en-US" altLang="zh-TW" sz="2000" dirty="0" err="1">
-                <a:solidFill>
-                  <a:srgbClr val="00B050"/>
-                </a:solidFill>
-                <a:latin typeface="微軟正黑體" panose="020B0604030504040204" pitchFamily="34" charset="-120"/>
-                <a:ea typeface="微軟正黑體" panose="020B0604030504040204" pitchFamily="34" charset="-120"/>
-              </a:rPr>
-              <a:t>i</a:t>
-            </a:r>
-            <a:r>
-              <a:rPr lang="en-US" altLang="zh-TW" sz="2000" dirty="0">
-                <a:solidFill>
-                  <a:srgbClr val="00B050"/>
-                </a:solidFill>
-                <a:latin typeface="微軟正黑體" panose="020B0604030504040204" pitchFamily="34" charset="-120"/>
-                <a:ea typeface="微軟正黑體" panose="020B0604030504040204" pitchFamily="34" charset="-120"/>
-              </a:rPr>
-              <a:t> == 0 </a:t>
-            </a:r>
-            <a:r>
-              <a:rPr lang="en-US" altLang="zh-TW" sz="2000" dirty="0">
-                <a:latin typeface="微軟正黑體" panose="020B0604030504040204" pitchFamily="34" charset="-120"/>
-                <a:ea typeface="微軟正黑體" panose="020B0604030504040204" pitchFamily="34" charset="-120"/>
-              </a:rPr>
-              <a:t>):</a:t>
-            </a:r>
-            <a:endParaRPr lang="en-US" altLang="zh-TW" sz="2000" dirty="0">
-              <a:latin typeface="微軟正黑體" panose="020B0604030504040204" pitchFamily="34" charset="-120"/>
-              <a:ea typeface="微軟正黑體" panose="020B0604030504040204" pitchFamily="34" charset="-120"/>
-            </a:endParaRPr>
-          </a:p>
-          <a:p>
-            <a:r>
-              <a:rPr lang="en-US" altLang="zh-TW" sz="2000" dirty="0">
-                <a:latin typeface="微軟正黑體" panose="020B0604030504040204" pitchFamily="34" charset="-120"/>
-                <a:ea typeface="微軟正黑體" panose="020B0604030504040204" pitchFamily="34" charset="-120"/>
-              </a:rPr>
-              <a:t>        print(</a:t>
-            </a:r>
-            <a:r>
-              <a:rPr lang="en-US" altLang="zh-TW" sz="2000" dirty="0" err="1">
-                <a:latin typeface="微軟正黑體" panose="020B0604030504040204" pitchFamily="34" charset="-120"/>
-                <a:ea typeface="微軟正黑體" panose="020B0604030504040204" pitchFamily="34" charset="-120"/>
-              </a:rPr>
-              <a:t>i</a:t>
-            </a:r>
-            <a:r>
-              <a:rPr lang="en-US" altLang="zh-TW" sz="2000" dirty="0">
-                <a:latin typeface="微軟正黑體" panose="020B0604030504040204" pitchFamily="34" charset="-120"/>
-                <a:ea typeface="微軟正黑體" panose="020B0604030504040204" pitchFamily="34" charset="-120"/>
-              </a:rPr>
-              <a:t>, '</a:t>
-            </a:r>
-            <a:r>
-              <a:rPr lang="zh-TW" altLang="en-US" sz="2000" dirty="0">
-                <a:latin typeface="微軟正黑體" panose="020B0604030504040204" pitchFamily="34" charset="-120"/>
-                <a:ea typeface="微軟正黑體" panose="020B0604030504040204" pitchFamily="34" charset="-120"/>
-              </a:rPr>
-              <a:t>是奇數也是偶數</a:t>
-            </a:r>
-            <a:r>
-              <a:rPr lang="en-US" altLang="zh-TW" sz="2000" dirty="0">
-                <a:latin typeface="微軟正黑體" panose="020B0604030504040204" pitchFamily="34" charset="-120"/>
-                <a:ea typeface="微軟正黑體" panose="020B0604030504040204" pitchFamily="34" charset="-120"/>
-              </a:rPr>
-              <a:t>')</a:t>
-            </a:r>
-          </a:p>
-          <a:p>
-            <a:r>
-              <a:rPr lang="en-US" altLang="zh-TW" sz="2000" dirty="0">
-                <a:latin typeface="微軟正黑體" panose="020B0604030504040204" pitchFamily="34" charset="-120"/>
-                <a:ea typeface="微軟正黑體" panose="020B0604030504040204" pitchFamily="34" charset="-120"/>
-              </a:rPr>
-              <a:t>    </a:t>
-            </a:r>
-            <a:r>
-              <a:rPr lang="en-US" altLang="zh-TW" sz="2000" dirty="0" err="1">
-                <a:solidFill>
-                  <a:srgbClr val="FFFF00"/>
-                </a:solidFill>
-                <a:latin typeface="微軟正黑體" panose="020B0604030504040204" pitchFamily="34" charset="-120"/>
-                <a:ea typeface="微軟正黑體" panose="020B0604030504040204" pitchFamily="34" charset="-120"/>
-              </a:rPr>
-              <a:t>elif</a:t>
-            </a:r>
-            <a:r>
-              <a:rPr lang="en-US" altLang="zh-TW" sz="2000" dirty="0">
-                <a:latin typeface="微軟正黑體" panose="020B0604030504040204" pitchFamily="34" charset="-120"/>
-                <a:ea typeface="微軟正黑體" panose="020B0604030504040204" pitchFamily="34" charset="-120"/>
-              </a:rPr>
-              <a:t>( </a:t>
-            </a:r>
-            <a:r>
-              <a:rPr lang="en-US" altLang="zh-TW" sz="2000" dirty="0" err="1">
-                <a:solidFill>
-                  <a:srgbClr val="00B050"/>
-                </a:solidFill>
-                <a:latin typeface="微軟正黑體" panose="020B0604030504040204" pitchFamily="34" charset="-120"/>
-                <a:ea typeface="微軟正黑體" panose="020B0604030504040204" pitchFamily="34" charset="-120"/>
-              </a:rPr>
-              <a:t>i</a:t>
-            </a:r>
-            <a:r>
-              <a:rPr lang="en-US" altLang="zh-TW" sz="2000" dirty="0">
-                <a:solidFill>
-                  <a:srgbClr val="00B050"/>
-                </a:solidFill>
-                <a:latin typeface="微軟正黑體" panose="020B0604030504040204" pitchFamily="34" charset="-120"/>
-                <a:ea typeface="微軟正黑體" panose="020B0604030504040204" pitchFamily="34" charset="-120"/>
-              </a:rPr>
-              <a:t> % 2 == 1 </a:t>
-            </a:r>
-            <a:r>
-              <a:rPr lang="en-US" altLang="zh-TW" sz="2000" dirty="0">
-                <a:latin typeface="微軟正黑體" panose="020B0604030504040204" pitchFamily="34" charset="-120"/>
-                <a:ea typeface="微軟正黑體" panose="020B0604030504040204" pitchFamily="34" charset="-120"/>
-              </a:rPr>
-              <a:t>):</a:t>
-            </a:r>
-            <a:endParaRPr lang="en-US" altLang="zh-TW" sz="2000" dirty="0">
-              <a:latin typeface="微軟正黑體" panose="020B0604030504040204" pitchFamily="34" charset="-120"/>
-              <a:ea typeface="微軟正黑體" panose="020B0604030504040204" pitchFamily="34" charset="-120"/>
-            </a:endParaRPr>
-          </a:p>
-          <a:p>
-            <a:r>
-              <a:rPr lang="en-US" altLang="zh-TW" sz="2000" dirty="0">
-                <a:latin typeface="微軟正黑體" panose="020B0604030504040204" pitchFamily="34" charset="-120"/>
-                <a:ea typeface="微軟正黑體" panose="020B0604030504040204" pitchFamily="34" charset="-120"/>
-              </a:rPr>
-              <a:t>        print</a:t>
-            </a:r>
-            <a:r>
-              <a:rPr lang="en-US" altLang="zh-TW" sz="2000" dirty="0">
-                <a:latin typeface="微軟正黑體" panose="020B0604030504040204" pitchFamily="34" charset="-120"/>
-                <a:ea typeface="微軟正黑體" panose="020B0604030504040204" pitchFamily="34" charset="-120"/>
-              </a:rPr>
-              <a:t>( </a:t>
-            </a:r>
-            <a:r>
-              <a:rPr lang="en-US" altLang="zh-TW" sz="2000" dirty="0" err="1">
-                <a:latin typeface="微軟正黑體" panose="020B0604030504040204" pitchFamily="34" charset="-120"/>
-                <a:ea typeface="微軟正黑體" panose="020B0604030504040204" pitchFamily="34" charset="-120"/>
-              </a:rPr>
-              <a:t>i</a:t>
-            </a:r>
-            <a:r>
-              <a:rPr lang="en-US" altLang="zh-TW" sz="2000" dirty="0">
-                <a:latin typeface="微軟正黑體" panose="020B0604030504040204" pitchFamily="34" charset="-120"/>
-                <a:ea typeface="微軟正黑體" panose="020B0604030504040204" pitchFamily="34" charset="-120"/>
-              </a:rPr>
-              <a:t>, '</a:t>
-            </a:r>
-            <a:r>
-              <a:rPr lang="zh-TW" altLang="en-US" sz="2000" dirty="0">
-                <a:latin typeface="微軟正黑體" panose="020B0604030504040204" pitchFamily="34" charset="-120"/>
-                <a:ea typeface="微軟正黑體" panose="020B0604030504040204" pitchFamily="34" charset="-120"/>
-              </a:rPr>
-              <a:t>奇數</a:t>
-            </a:r>
-            <a:r>
-              <a:rPr lang="en-US" altLang="zh-TW" sz="2000" dirty="0">
-                <a:latin typeface="微軟正黑體" panose="020B0604030504040204" pitchFamily="34" charset="-120"/>
-                <a:ea typeface="微軟正黑體" panose="020B0604030504040204" pitchFamily="34" charset="-120"/>
-              </a:rPr>
-              <a:t>'</a:t>
-            </a:r>
-            <a:r>
-              <a:rPr lang="en-US" altLang="zh-TW" sz="2000" dirty="0">
-                <a:latin typeface="微軟正黑體" panose="020B0604030504040204" pitchFamily="34" charset="-120"/>
-                <a:ea typeface="微軟正黑體" panose="020B0604030504040204" pitchFamily="34" charset="-120"/>
-              </a:rPr>
-              <a:t> </a:t>
-            </a:r>
-            <a:r>
-              <a:rPr lang="en-US" altLang="zh-TW" sz="2000" dirty="0">
-                <a:latin typeface="微軟正黑體" panose="020B0604030504040204" pitchFamily="34" charset="-120"/>
-                <a:ea typeface="微軟正黑體" panose="020B0604030504040204" pitchFamily="34" charset="-120"/>
-              </a:rPr>
-              <a:t> )</a:t>
-            </a:r>
-            <a:endParaRPr lang="en-US" altLang="zh-TW" sz="2000" dirty="0">
-              <a:latin typeface="微軟正黑體" panose="020B0604030504040204" pitchFamily="34" charset="-120"/>
-              <a:ea typeface="微軟正黑體" panose="020B0604030504040204" pitchFamily="34" charset="-120"/>
-            </a:endParaRPr>
-          </a:p>
-          <a:p>
-            <a:r>
-              <a:rPr lang="en-US" altLang="zh-TW" sz="2000" dirty="0">
-                <a:latin typeface="微軟正黑體" panose="020B0604030504040204" pitchFamily="34" charset="-120"/>
-                <a:ea typeface="微軟正黑體" panose="020B0604030504040204" pitchFamily="34" charset="-120"/>
-              </a:rPr>
-              <a:t>    else:</a:t>
-            </a:r>
-          </a:p>
-          <a:p>
-            <a:r>
-              <a:rPr lang="en-US" altLang="zh-TW" sz="2000" dirty="0">
-                <a:latin typeface="微軟正黑體" panose="020B0604030504040204" pitchFamily="34" charset="-120"/>
-                <a:ea typeface="微軟正黑體" panose="020B0604030504040204" pitchFamily="34" charset="-120"/>
-              </a:rPr>
-              <a:t>        print</a:t>
-            </a:r>
-            <a:r>
-              <a:rPr lang="en-US" altLang="zh-TW" sz="2000" dirty="0">
-                <a:latin typeface="微軟正黑體" panose="020B0604030504040204" pitchFamily="34" charset="-120"/>
-                <a:ea typeface="微軟正黑體" panose="020B0604030504040204" pitchFamily="34" charset="-120"/>
-              </a:rPr>
-              <a:t>( </a:t>
-            </a:r>
-            <a:r>
-              <a:rPr lang="en-US" altLang="zh-TW" sz="2000" dirty="0" err="1">
-                <a:latin typeface="微軟正黑體" panose="020B0604030504040204" pitchFamily="34" charset="-120"/>
-                <a:ea typeface="微軟正黑體" panose="020B0604030504040204" pitchFamily="34" charset="-120"/>
-              </a:rPr>
-              <a:t>i</a:t>
-            </a:r>
-            <a:r>
-              <a:rPr lang="en-US" altLang="zh-TW" sz="2000" dirty="0">
-                <a:latin typeface="微軟正黑體" panose="020B0604030504040204" pitchFamily="34" charset="-120"/>
-                <a:ea typeface="微軟正黑體" panose="020B0604030504040204" pitchFamily="34" charset="-120"/>
-              </a:rPr>
-              <a:t>, '</a:t>
-            </a:r>
-            <a:r>
-              <a:rPr lang="zh-TW" altLang="en-US" sz="2000" dirty="0">
-                <a:latin typeface="微軟正黑體" panose="020B0604030504040204" pitchFamily="34" charset="-120"/>
-                <a:ea typeface="微軟正黑體" panose="020B0604030504040204" pitchFamily="34" charset="-120"/>
-              </a:rPr>
-              <a:t>偶數</a:t>
-            </a:r>
-            <a:r>
-              <a:rPr lang="en-US" altLang="zh-TW" sz="2000" dirty="0">
-                <a:latin typeface="微軟正黑體" panose="020B0604030504040204" pitchFamily="34" charset="-120"/>
-                <a:ea typeface="微軟正黑體" panose="020B0604030504040204" pitchFamily="34" charset="-120"/>
-              </a:rPr>
-              <a:t>'</a:t>
-            </a:r>
-            <a:r>
-              <a:rPr lang="en-US" altLang="zh-TW" sz="2000" dirty="0">
-                <a:latin typeface="微軟正黑體" panose="020B0604030504040204" pitchFamily="34" charset="-120"/>
-                <a:ea typeface="微軟正黑體" panose="020B0604030504040204" pitchFamily="34" charset="-120"/>
-              </a:rPr>
-              <a:t> </a:t>
-            </a:r>
-            <a:r>
-              <a:rPr lang="en-US" altLang="zh-TW" sz="2000" dirty="0">
-                <a:latin typeface="微軟正黑體" panose="020B0604030504040204" pitchFamily="34" charset="-120"/>
-                <a:ea typeface="微軟正黑體" panose="020B0604030504040204" pitchFamily="34" charset="-120"/>
-              </a:rPr>
-              <a:t>)</a:t>
+              <a:t>' )</a:t>
             </a:r>
             <a:endParaRPr lang="zh-TW" altLang="en-US" sz="2000" dirty="0">
               <a:latin typeface="微軟正黑體" panose="020B0604030504040204" pitchFamily="34" charset="-120"/>
@@ -11177,40 +11113,26 @@
                 <a:latin typeface="微軟正黑體" panose="020B0604030504040204" pitchFamily="34" charset="-120"/>
                 <a:ea typeface="微軟正黑體" panose="020B0604030504040204" pitchFamily="34" charset="-120"/>
               </a:rPr>
-              <a:t> </a:t>
+              <a:t> add(x, y)</a:t>
             </a:r>
             <a:r>
               <a:rPr lang="en-US" altLang="zh-TW" sz="2400" dirty="0">
-                <a:latin typeface="微軟正黑體" panose="020B0604030504040204" pitchFamily="34" charset="-120"/>
-                <a:ea typeface="微軟正黑體" panose="020B0604030504040204" pitchFamily="34" charset="-120"/>
-              </a:rPr>
-              <a:t>add(x, y)</a:t>
-            </a:r>
+                <a:solidFill>
+                  <a:srgbClr val="FFFF00"/>
+                </a:solidFill>
+                <a:latin typeface="微軟正黑體" panose="020B0604030504040204" pitchFamily="34" charset="-120"/>
+                <a:ea typeface="微軟正黑體" panose="020B0604030504040204" pitchFamily="34" charset="-120"/>
+              </a:rPr>
+              <a:t>:</a:t>
+            </a:r>
+          </a:p>
+          <a:p>
             <a:r>
               <a:rPr lang="en-US" altLang="zh-TW" sz="2400" dirty="0">
-                <a:solidFill>
-                  <a:srgbClr val="FFFF00"/>
-                </a:solidFill>
-                <a:latin typeface="微軟正黑體" panose="020B0604030504040204" pitchFamily="34" charset="-120"/>
-                <a:ea typeface="微軟正黑體" panose="020B0604030504040204" pitchFamily="34" charset="-120"/>
-              </a:rPr>
-              <a:t>:</a:t>
-            </a:r>
-          </a:p>
-          <a:p>
-            <a:r>
-              <a:rPr lang="en-US" altLang="zh-TW" sz="2400" dirty="0">
-                <a:latin typeface="微軟正黑體" panose="020B0604030504040204" pitchFamily="34" charset="-120"/>
-                <a:ea typeface="微軟正黑體" panose="020B0604030504040204" pitchFamily="34" charset="-120"/>
-              </a:rPr>
-              <a:t>&gt;&gt;&gt;    </a:t>
-            </a:r>
-            <a:r>
-              <a:rPr lang="en-US" altLang="zh-TW" sz="2400" dirty="0">
-                <a:latin typeface="微軟正黑體" panose="020B0604030504040204" pitchFamily="34" charset="-120"/>
-                <a:ea typeface="微軟正黑體" panose="020B0604030504040204" pitchFamily="34" charset="-120"/>
-              </a:rPr>
-              <a:t>return </a:t>
+                <a:latin typeface="微軟正黑體" panose="020B0604030504040204" pitchFamily="34" charset="-120"/>
+                <a:ea typeface="微軟正黑體" panose="020B0604030504040204" pitchFamily="34" charset="-120"/>
+              </a:rPr>
+              <a:t>&gt;&gt;&gt;    return </a:t>
             </a:r>
             <a:r>
               <a:rPr lang="en-US" altLang="zh-TW" sz="2400" dirty="0" err="1">
@@ -11232,10 +11154,6 @@
               </a:rPr>
               <a:t>---------------</a:t>
             </a:r>
-            <a:endParaRPr lang="en-US" altLang="zh-TW" sz="2400" dirty="0">
-              <a:latin typeface="微軟正黑體" panose="020B0604030504040204" pitchFamily="34" charset="-120"/>
-              <a:ea typeface="微軟正黑體" panose="020B0604030504040204" pitchFamily="34" charset="-120"/>
-            </a:endParaRPr>
           </a:p>
           <a:p>
             <a:r>
@@ -11243,21 +11161,7 @@
                 <a:latin typeface="微軟正黑體" panose="020B0604030504040204" pitchFamily="34" charset="-120"/>
                 <a:ea typeface="微軟正黑體" panose="020B0604030504040204" pitchFamily="34" charset="-120"/>
               </a:rPr>
-              <a:t>&gt;&gt;&gt;add(1</a:t>
-            </a:r>
-            <a:r>
-              <a:rPr lang="en-US" altLang="zh-TW" sz="2400" dirty="0">
-                <a:latin typeface="微軟正黑體" panose="020B0604030504040204" pitchFamily="34" charset="-120"/>
-                <a:ea typeface="微軟正黑體" panose="020B0604030504040204" pitchFamily="34" charset="-120"/>
-              </a:rPr>
-              <a:t>, 1</a:t>
-            </a:r>
-            <a:r>
-              <a:rPr lang="en-US" altLang="zh-TW" sz="2400" dirty="0">
-                <a:latin typeface="微軟正黑體" panose="020B0604030504040204" pitchFamily="34" charset="-120"/>
-                <a:ea typeface="微軟正黑體" panose="020B0604030504040204" pitchFamily="34" charset="-120"/>
-              </a:rPr>
-              <a:t>)</a:t>
+              <a:t>&gt;&gt;&gt;add(1, 1)</a:t>
             </a:r>
           </a:p>
           <a:p>
@@ -11336,24 +11240,26 @@
                 <a:latin typeface="微軟正黑體" panose="020B0604030504040204" pitchFamily="34" charset="-120"/>
                 <a:ea typeface="微軟正黑體" panose="020B0604030504040204" pitchFamily="34" charset="-120"/>
               </a:rPr>
-              <a:t> minus(x</a:t>
+              <a:t> minus(x, y)</a:t>
             </a:r>
             <a:r>
               <a:rPr lang="en-US" altLang="zh-TW" sz="2400" dirty="0">
-                <a:latin typeface="微軟正黑體" panose="020B0604030504040204" pitchFamily="34" charset="-120"/>
-                <a:ea typeface="微軟正黑體" panose="020B0604030504040204" pitchFamily="34" charset="-120"/>
-              </a:rPr>
-              <a:t>, y)</a:t>
-            </a:r>
+                <a:solidFill>
+                  <a:srgbClr val="FFFF00"/>
+                </a:solidFill>
+                <a:latin typeface="微軟正黑體" panose="020B0604030504040204" pitchFamily="34" charset="-120"/>
+                <a:ea typeface="微軟正黑體" panose="020B0604030504040204" pitchFamily="34" charset="-120"/>
+              </a:rPr>
+              <a:t>:</a:t>
+            </a:r>
+          </a:p>
+          <a:p>
             <a:r>
               <a:rPr lang="en-US" altLang="zh-TW" sz="2400" dirty="0">
-                <a:solidFill>
-                  <a:srgbClr val="FFFF00"/>
-                </a:solidFill>
-                <a:latin typeface="微軟正黑體" panose="020B0604030504040204" pitchFamily="34" charset="-120"/>
-                <a:ea typeface="微軟正黑體" panose="020B0604030504040204" pitchFamily="34" charset="-120"/>
-              </a:rPr>
-              <a:t>:</a:t>
+                <a:latin typeface="微軟正黑體" panose="020B0604030504040204" pitchFamily="34" charset="-120"/>
+                <a:ea typeface="微軟正黑體" panose="020B0604030504040204" pitchFamily="34" charset="-120"/>
+              </a:rPr>
+              <a:t>&gt;&gt;&gt;    return x-y</a:t>
             </a:r>
           </a:p>
           <a:p>
@@ -11362,39 +11268,8 @@
                 <a:latin typeface="微軟正黑體" panose="020B0604030504040204" pitchFamily="34" charset="-120"/>
                 <a:ea typeface="微軟正黑體" panose="020B0604030504040204" pitchFamily="34" charset="-120"/>
               </a:rPr>
-              <a:t>&gt;&gt;&gt;    </a:t>
-            </a:r>
-            <a:r>
-              <a:rPr lang="en-US" altLang="zh-TW" sz="2400" dirty="0">
-                <a:latin typeface="微軟正黑體" panose="020B0604030504040204" pitchFamily="34" charset="-120"/>
-                <a:ea typeface="微軟正黑體" panose="020B0604030504040204" pitchFamily="34" charset="-120"/>
-              </a:rPr>
-              <a:t>return </a:t>
-            </a:r>
-            <a:r>
-              <a:rPr lang="en-US" altLang="zh-TW" sz="2400" dirty="0">
-                <a:latin typeface="微軟正黑體" panose="020B0604030504040204" pitchFamily="34" charset="-120"/>
-                <a:ea typeface="微軟正黑體" panose="020B0604030504040204" pitchFamily="34" charset="-120"/>
-              </a:rPr>
-              <a:t>x-y</a:t>
-            </a:r>
-            <a:endParaRPr lang="en-US" altLang="zh-TW" sz="2400" dirty="0">
-              <a:latin typeface="微軟正黑體" panose="020B0604030504040204" pitchFamily="34" charset="-120"/>
-              <a:ea typeface="微軟正黑體" panose="020B0604030504040204" pitchFamily="34" charset="-120"/>
-            </a:endParaRPr>
-          </a:p>
-          <a:p>
-            <a:r>
-              <a:rPr lang="en-US" altLang="zh-TW" sz="2400" dirty="0">
-                <a:latin typeface="微軟正黑體" panose="020B0604030504040204" pitchFamily="34" charset="-120"/>
-                <a:ea typeface="微軟正黑體" panose="020B0604030504040204" pitchFamily="34" charset="-120"/>
-              </a:rPr>
               <a:t>---------------</a:t>
             </a:r>
-            <a:endParaRPr lang="en-US" altLang="zh-TW" sz="2400" dirty="0">
-              <a:latin typeface="微軟正黑體" panose="020B0604030504040204" pitchFamily="34" charset="-120"/>
-              <a:ea typeface="微軟正黑體" panose="020B0604030504040204" pitchFamily="34" charset="-120"/>
-            </a:endParaRPr>
           </a:p>
           <a:p>
             <a:r>
@@ -11560,54 +11435,33 @@
                 <a:latin typeface="微軟正黑體" panose="020B0604030504040204" pitchFamily="34" charset="-120"/>
                 <a:ea typeface="微軟正黑體" panose="020B0604030504040204" pitchFamily="34" charset="-120"/>
               </a:rPr>
-              <a:t>&gt;&gt;&gt;add </a:t>
+              <a:t>&gt;&gt;&gt;add = </a:t>
             </a:r>
             <a:r>
               <a:rPr lang="es-ES" altLang="zh-TW" sz="2400" dirty="0">
-                <a:latin typeface="微軟正黑體" panose="020B0604030504040204" pitchFamily="34" charset="-120"/>
-                <a:ea typeface="微軟正黑體" panose="020B0604030504040204" pitchFamily="34" charset="-120"/>
-              </a:rPr>
-              <a:t>= </a:t>
+                <a:solidFill>
+                  <a:srgbClr val="FFFF00"/>
+                </a:solidFill>
+                <a:latin typeface="微軟正黑體" panose="020B0604030504040204" pitchFamily="34" charset="-120"/>
+                <a:ea typeface="微軟正黑體" panose="020B0604030504040204" pitchFamily="34" charset="-120"/>
+              </a:rPr>
+              <a:t>lambda</a:t>
             </a:r>
             <a:r>
               <a:rPr lang="es-ES" altLang="zh-TW" sz="2400" dirty="0">
-                <a:solidFill>
-                  <a:srgbClr val="FFFF00"/>
-                </a:solidFill>
-                <a:latin typeface="微軟正黑體" panose="020B0604030504040204" pitchFamily="34" charset="-120"/>
-                <a:ea typeface="微軟正黑體" panose="020B0604030504040204" pitchFamily="34" charset="-120"/>
-              </a:rPr>
-              <a:t>lambda</a:t>
-            </a:r>
+                <a:latin typeface="微軟正黑體" panose="020B0604030504040204" pitchFamily="34" charset="-120"/>
+                <a:ea typeface="微軟正黑體" panose="020B0604030504040204" pitchFamily="34" charset="-120"/>
+              </a:rPr>
+              <a:t> x, y :  x + y</a:t>
+            </a:r>
+          </a:p>
+          <a:p>
             <a:r>
               <a:rPr lang="es-ES" altLang="zh-TW" sz="2400" dirty="0">
                 <a:latin typeface="微軟正黑體" panose="020B0604030504040204" pitchFamily="34" charset="-120"/>
                 <a:ea typeface="微軟正黑體" panose="020B0604030504040204" pitchFamily="34" charset="-120"/>
               </a:rPr>
-              <a:t> x, y :  x + y</a:t>
-            </a:r>
-          </a:p>
-          <a:p>
-            <a:r>
-              <a:rPr lang="es-ES" altLang="zh-TW" sz="2400" dirty="0">
-                <a:latin typeface="微軟正黑體" panose="020B0604030504040204" pitchFamily="34" charset="-120"/>
-                <a:ea typeface="微軟正黑體" panose="020B0604030504040204" pitchFamily="34" charset="-120"/>
-              </a:rPr>
-              <a:t>&gt;&gt;&gt;add(1</a:t>
-            </a:r>
-            <a:r>
-              <a:rPr lang="es-ES" altLang="zh-TW" sz="2400" dirty="0">
-                <a:latin typeface="微軟正黑體" panose="020B0604030504040204" pitchFamily="34" charset="-120"/>
-                <a:ea typeface="微軟正黑體" panose="020B0604030504040204" pitchFamily="34" charset="-120"/>
-              </a:rPr>
-              <a:t>, -3</a:t>
-            </a:r>
-            <a:r>
-              <a:rPr lang="es-ES" altLang="zh-TW" sz="2400" dirty="0">
-                <a:latin typeface="微軟正黑體" panose="020B0604030504040204" pitchFamily="34" charset="-120"/>
-                <a:ea typeface="微軟正黑體" panose="020B0604030504040204" pitchFamily="34" charset="-120"/>
-              </a:rPr>
-              <a:t>)</a:t>
+              <a:t>&gt;&gt;&gt;add(1, -3)</a:t>
             </a:r>
           </a:p>
           <a:p>
@@ -11668,46 +11522,17 @@
                 <a:latin typeface="微軟正黑體" panose="020B0604030504040204" pitchFamily="34" charset="-120"/>
                 <a:ea typeface="微軟正黑體" panose="020B0604030504040204" pitchFamily="34" charset="-120"/>
               </a:rPr>
-              <a:t> </a:t>
-            </a:r>
+              <a:t> x :  -x</a:t>
+            </a:r>
+          </a:p>
+          <a:p>
             <a:r>
               <a:rPr lang="es-ES" altLang="zh-TW" sz="2400" dirty="0">
                 <a:latin typeface="微軟正黑體" panose="020B0604030504040204" pitchFamily="34" charset="-120"/>
                 <a:ea typeface="微軟正黑體" panose="020B0604030504040204" pitchFamily="34" charset="-120"/>
               </a:rPr>
-              <a:t>x </a:t>
-            </a:r>
-            <a:r>
-              <a:rPr lang="es-ES" altLang="zh-TW" sz="2400" dirty="0">
-                <a:latin typeface="微軟正黑體" panose="020B0604030504040204" pitchFamily="34" charset="-120"/>
-                <a:ea typeface="微軟正黑體" panose="020B0604030504040204" pitchFamily="34" charset="-120"/>
-              </a:rPr>
-              <a:t>:  </a:t>
-            </a:r>
-            <a:r>
-              <a:rPr lang="es-ES" altLang="zh-TW" sz="2400" dirty="0">
-                <a:latin typeface="微軟正黑體" panose="020B0604030504040204" pitchFamily="34" charset="-120"/>
-                <a:ea typeface="微軟正黑體" panose="020B0604030504040204" pitchFamily="34" charset="-120"/>
-              </a:rPr>
-              <a:t>-x</a:t>
-            </a:r>
-            <a:endParaRPr lang="es-ES" altLang="zh-TW" sz="2400" dirty="0">
-              <a:latin typeface="微軟正黑體" panose="020B0604030504040204" pitchFamily="34" charset="-120"/>
-              <a:ea typeface="微軟正黑體" panose="020B0604030504040204" pitchFamily="34" charset="-120"/>
-            </a:endParaRPr>
-          </a:p>
-          <a:p>
-            <a:r>
-              <a:rPr lang="es-ES" altLang="zh-TW" sz="2400" dirty="0">
-                <a:latin typeface="微軟正黑體" panose="020B0604030504040204" pitchFamily="34" charset="-120"/>
-                <a:ea typeface="微軟正黑體" panose="020B0604030504040204" pitchFamily="34" charset="-120"/>
-              </a:rPr>
               <a:t>&gt;&gt;&gt;newValue(9)</a:t>
             </a:r>
-            <a:endParaRPr lang="es-ES" altLang="zh-TW" sz="2400" dirty="0">
-              <a:latin typeface="微軟正黑體" panose="020B0604030504040204" pitchFamily="34" charset="-120"/>
-              <a:ea typeface="微軟正黑體" panose="020B0604030504040204" pitchFamily="34" charset="-120"/>
-            </a:endParaRPr>
           </a:p>
           <a:p>
             <a:r>
@@ -13222,21 +13047,7 @@
                 <a:latin typeface="微軟正黑體" panose="020B0604030504040204" pitchFamily="34" charset="-120"/>
                 <a:ea typeface="微軟正黑體" panose="020B0604030504040204" pitchFamily="34" charset="-120"/>
               </a:rPr>
-              <a:t>常見</a:t>
-            </a:r>
-            <a:r>
-              <a:rPr lang="zh-TW" altLang="en-US" sz="4000" b="1" dirty="0">
-                <a:latin typeface="微軟正黑體" panose="020B0604030504040204" pitchFamily="34" charset="-120"/>
-                <a:ea typeface="微軟正黑體" panose="020B0604030504040204" pitchFamily="34" charset="-120"/>
-              </a:rPr>
-              <a:t>的</a:t>
-            </a:r>
-            <a:r>
-              <a:rPr lang="zh-TW" altLang="en-US" sz="4000" b="1" dirty="0">
-                <a:latin typeface="微軟正黑體" panose="020B0604030504040204" pitchFamily="34" charset="-120"/>
-                <a:ea typeface="微軟正黑體" panose="020B0604030504040204" pitchFamily="34" charset="-120"/>
-              </a:rPr>
-              <a:t>數值運算</a:t>
+              <a:t>常見的數值運算</a:t>
             </a:r>
             <a:endParaRPr lang="en-US" altLang="zh-TW" sz="4000" b="1" dirty="0">
               <a:latin typeface="微軟正黑體" panose="020B0604030504040204" pitchFamily="34" charset="-120"/>
@@ -13638,17 +13449,7 @@
                 <a:latin typeface="微軟正黑體" panose="020B0604030504040204" pitchFamily="34" charset="-120"/>
                 <a:ea typeface="微軟正黑體" panose="020B0604030504040204" pitchFamily="34" charset="-120"/>
               </a:rPr>
-              <a:t>求</a:t>
-            </a:r>
-            <a:r>
-              <a:rPr lang="zh-TW" altLang="en-US" sz="2000" dirty="0">
-                <a:solidFill>
-                  <a:srgbClr val="92D050"/>
-                </a:solidFill>
-                <a:latin typeface="微軟正黑體" panose="020B0604030504040204" pitchFamily="34" charset="-120"/>
-                <a:ea typeface="微軟正黑體" panose="020B0604030504040204" pitchFamily="34" charset="-120"/>
-              </a:rPr>
-              <a:t>餘數</a:t>
+              <a:t>求餘數</a:t>
             </a:r>
             <a:endParaRPr lang="en-US" altLang="zh-TW" sz="2000" dirty="0">
               <a:solidFill>
@@ -13669,13 +13470,6 @@
               </a:rPr>
               <a:t>1</a:t>
             </a:r>
-            <a:endParaRPr lang="en-US" altLang="zh-TW" sz="2000" dirty="0">
-              <a:solidFill>
-                <a:srgbClr val="FFFF00"/>
-              </a:solidFill>
-              <a:latin typeface="微軟正黑體" panose="020B0604030504040204" pitchFamily="34" charset="-120"/>
-              <a:ea typeface="微軟正黑體" panose="020B0604030504040204" pitchFamily="34" charset="-120"/>
-            </a:endParaRPr>
           </a:p>
         </p:txBody>
       </p:sp>
@@ -13990,20 +13784,159 @@
                 <a:latin typeface="微軟正黑體" panose="020B0604030504040204" pitchFamily="34" charset="-120"/>
                 <a:ea typeface="微軟正黑體" panose="020B0604030504040204" pitchFamily="34" charset="-120"/>
               </a:rPr>
-              <a:t>&gt;&gt;&gt; s </a:t>
+              <a:t>&gt;&gt;&gt; s =“</a:t>
+            </a:r>
+            <a:r>
+              <a:rPr lang="en-US" altLang="zh-TW" dirty="0" err="1">
+                <a:latin typeface="微軟正黑體" panose="020B0604030504040204" pitchFamily="34" charset="-120"/>
+                <a:ea typeface="微軟正黑體" panose="020B0604030504040204" pitchFamily="34" charset="-120"/>
+              </a:rPr>
+              <a:t>abcdefghij</a:t>
             </a:r>
             <a:r>
               <a:rPr lang="en-US" altLang="zh-TW" dirty="0">
                 <a:latin typeface="微軟正黑體" panose="020B0604030504040204" pitchFamily="34" charset="-120"/>
                 <a:ea typeface="微軟正黑體" panose="020B0604030504040204" pitchFamily="34" charset="-120"/>
               </a:rPr>
-              <a:t>=“</a:t>
+              <a:t>”</a:t>
+            </a:r>
+          </a:p>
+          <a:p>
+            <a:r>
+              <a:rPr lang="en-US" altLang="zh-TW" dirty="0">
+                <a:latin typeface="微軟正黑體" panose="020B0604030504040204" pitchFamily="34" charset="-120"/>
+                <a:ea typeface="微軟正黑體" panose="020B0604030504040204" pitchFamily="34" charset="-120"/>
+              </a:rPr>
+              <a:t>&gt;&gt;&gt; s[3:5]</a:t>
+            </a:r>
+          </a:p>
+          <a:p>
+            <a:r>
+              <a:rPr lang="en-US" altLang="zh-TW" dirty="0">
+                <a:latin typeface="微軟正黑體" panose="020B0604030504040204" pitchFamily="34" charset="-120"/>
+                <a:ea typeface="微軟正黑體" panose="020B0604030504040204" pitchFamily="34" charset="-120"/>
+              </a:rPr>
+              <a:t>‘de’</a:t>
+            </a:r>
+          </a:p>
+          <a:p>
+            <a:r>
+              <a:rPr lang="en-US" altLang="zh-TW" dirty="0">
+                <a:latin typeface="微軟正黑體" panose="020B0604030504040204" pitchFamily="34" charset="-120"/>
+                <a:ea typeface="微軟正黑體" panose="020B0604030504040204" pitchFamily="34" charset="-120"/>
+              </a:rPr>
+              <a:t>&gt;&gt;&gt; s[:5]</a:t>
+            </a:r>
+          </a:p>
+          <a:p>
+            <a:r>
+              <a:rPr lang="en-US" altLang="zh-TW" dirty="0">
+                <a:latin typeface="微軟正黑體" panose="020B0604030504040204" pitchFamily="34" charset="-120"/>
+                <a:ea typeface="微軟正黑體" panose="020B0604030504040204" pitchFamily="34" charset="-120"/>
+              </a:rPr>
+              <a:t>‘</a:t>
             </a:r>
             <a:r>
               <a:rPr lang="en-US" altLang="zh-TW" dirty="0" err="1">
                 <a:latin typeface="微軟正黑體" panose="020B0604030504040204" pitchFamily="34" charset="-120"/>
                 <a:ea typeface="微軟正黑體" panose="020B0604030504040204" pitchFamily="34" charset="-120"/>
               </a:rPr>
+              <a:t>abcde</a:t>
+            </a:r>
+            <a:r>
+              <a:rPr lang="en-US" altLang="zh-TW" dirty="0">
+                <a:latin typeface="微軟正黑體" panose="020B0604030504040204" pitchFamily="34" charset="-120"/>
+                <a:ea typeface="微軟正黑體" panose="020B0604030504040204" pitchFamily="34" charset="-120"/>
+              </a:rPr>
+              <a:t>’</a:t>
+            </a:r>
+          </a:p>
+          <a:p>
+            <a:r>
+              <a:rPr lang="en-US" altLang="zh-TW" dirty="0">
+                <a:latin typeface="微軟正黑體" panose="020B0604030504040204" pitchFamily="34" charset="-120"/>
+                <a:ea typeface="微軟正黑體" panose="020B0604030504040204" pitchFamily="34" charset="-120"/>
+              </a:rPr>
+              <a:t>&gt;&gt;&gt; s[5:]</a:t>
+            </a:r>
+          </a:p>
+          <a:p>
+            <a:r>
+              <a:rPr lang="en-US" altLang="zh-TW" dirty="0">
+                <a:latin typeface="微軟正黑體" panose="020B0604030504040204" pitchFamily="34" charset="-120"/>
+                <a:ea typeface="微軟正黑體" panose="020B0604030504040204" pitchFamily="34" charset="-120"/>
+              </a:rPr>
+              <a:t>‘</a:t>
+            </a:r>
+            <a:r>
+              <a:rPr lang="en-US" altLang="zh-TW" dirty="0" err="1">
+                <a:latin typeface="微軟正黑體" panose="020B0604030504040204" pitchFamily="34" charset="-120"/>
+                <a:ea typeface="微軟正黑體" panose="020B0604030504040204" pitchFamily="34" charset="-120"/>
+              </a:rPr>
+              <a:t>fghij</a:t>
+            </a:r>
+            <a:r>
+              <a:rPr lang="en-US" altLang="zh-TW" dirty="0">
+                <a:latin typeface="微軟正黑體" panose="020B0604030504040204" pitchFamily="34" charset="-120"/>
+                <a:ea typeface="微軟正黑體" panose="020B0604030504040204" pitchFamily="34" charset="-120"/>
+              </a:rPr>
+              <a:t>’</a:t>
+            </a:r>
+          </a:p>
+          <a:p>
+            <a:r>
+              <a:rPr lang="en-US" altLang="zh-TW" dirty="0">
+                <a:latin typeface="微軟正黑體" panose="020B0604030504040204" pitchFamily="34" charset="-120"/>
+                <a:ea typeface="微軟正黑體" panose="020B0604030504040204" pitchFamily="34" charset="-120"/>
+              </a:rPr>
+              <a:t>&gt;&gt;&gt; s[::2]</a:t>
+            </a:r>
+          </a:p>
+          <a:p>
+            <a:r>
+              <a:rPr lang="en-US" altLang="zh-TW" dirty="0">
+                <a:latin typeface="微軟正黑體" panose="020B0604030504040204" pitchFamily="34" charset="-120"/>
+                <a:ea typeface="微軟正黑體" panose="020B0604030504040204" pitchFamily="34" charset="-120"/>
+              </a:rPr>
+              <a:t>‘</a:t>
+            </a:r>
+            <a:r>
+              <a:rPr lang="en-US" altLang="zh-TW" dirty="0" err="1">
+                <a:latin typeface="微軟正黑體" panose="020B0604030504040204" pitchFamily="34" charset="-120"/>
+                <a:ea typeface="微軟正黑體" panose="020B0604030504040204" pitchFamily="34" charset="-120"/>
+              </a:rPr>
+              <a:t>acegi</a:t>
+            </a:r>
+            <a:r>
+              <a:rPr lang="en-US" altLang="zh-TW" dirty="0">
+                <a:latin typeface="微軟正黑體" panose="020B0604030504040204" pitchFamily="34" charset="-120"/>
+                <a:ea typeface="微軟正黑體" panose="020B0604030504040204" pitchFamily="34" charset="-120"/>
+              </a:rPr>
+              <a:t>’</a:t>
+            </a:r>
+          </a:p>
+          <a:p>
+            <a:r>
+              <a:rPr lang="en-US" altLang="zh-TW" dirty="0">
+                <a:latin typeface="微軟正黑體" panose="020B0604030504040204" pitchFamily="34" charset="-120"/>
+                <a:ea typeface="微軟正黑體" panose="020B0604030504040204" pitchFamily="34" charset="-120"/>
+              </a:rPr>
+              <a:t>&gt;&gt;&gt; s[:]</a:t>
+            </a:r>
+          </a:p>
+          <a:p>
+            <a:r>
+              <a:rPr lang="en-US" altLang="zh-TW" dirty="0">
+                <a:latin typeface="微軟正黑體" panose="020B0604030504040204" pitchFamily="34" charset="-120"/>
+                <a:ea typeface="微軟正黑體" panose="020B0604030504040204" pitchFamily="34" charset="-120"/>
+              </a:rPr>
+              <a:t>‘</a:t>
+            </a:r>
+            <a:r>
+              <a:rPr lang="en-US" altLang="zh-TW" dirty="0" err="1">
+                <a:latin typeface="微軟正黑體" panose="020B0604030504040204" pitchFamily="34" charset="-120"/>
+                <a:ea typeface="微軟正黑體" panose="020B0604030504040204" pitchFamily="34" charset="-120"/>
+              </a:rPr>
               <a:t>abcdefghij</a:t>
             </a:r>
             <a:r>
@@ -14011,158 +13944,8 @@
                 <a:latin typeface="微軟正黑體" panose="020B0604030504040204" pitchFamily="34" charset="-120"/>
                 <a:ea typeface="微軟正黑體" panose="020B0604030504040204" pitchFamily="34" charset="-120"/>
               </a:rPr>
-              <a:t>”</a:t>
-            </a:r>
-          </a:p>
-          <a:p>
-            <a:r>
-              <a:rPr lang="en-US" altLang="zh-TW" dirty="0">
-                <a:latin typeface="微軟正黑體" panose="020B0604030504040204" pitchFamily="34" charset="-120"/>
-                <a:ea typeface="微軟正黑體" panose="020B0604030504040204" pitchFamily="34" charset="-120"/>
-              </a:rPr>
-              <a:t>&gt;&gt;&gt; s[3:5]</a:t>
-            </a:r>
-          </a:p>
-          <a:p>
-            <a:r>
-              <a:rPr lang="en-US" altLang="zh-TW" dirty="0">
-                <a:latin typeface="微軟正黑體" panose="020B0604030504040204" pitchFamily="34" charset="-120"/>
-                <a:ea typeface="微軟正黑體" panose="020B0604030504040204" pitchFamily="34" charset="-120"/>
-              </a:rPr>
-              <a:t>‘de’</a:t>
-            </a:r>
-          </a:p>
-          <a:p>
-            <a:r>
-              <a:rPr lang="en-US" altLang="zh-TW" dirty="0">
-                <a:latin typeface="微軟正黑體" panose="020B0604030504040204" pitchFamily="34" charset="-120"/>
-                <a:ea typeface="微軟正黑體" panose="020B0604030504040204" pitchFamily="34" charset="-120"/>
-              </a:rPr>
-              <a:t>&gt;&gt;&gt; s[:5]</a:t>
-            </a:r>
-          </a:p>
-          <a:p>
-            <a:r>
-              <a:rPr lang="en-US" altLang="zh-TW" dirty="0">
-                <a:latin typeface="微軟正黑體" panose="020B0604030504040204" pitchFamily="34" charset="-120"/>
-                <a:ea typeface="微軟正黑體" panose="020B0604030504040204" pitchFamily="34" charset="-120"/>
-              </a:rPr>
-              <a:t>‘</a:t>
-            </a:r>
-            <a:r>
-              <a:rPr lang="en-US" altLang="zh-TW" dirty="0" err="1">
-                <a:latin typeface="微軟正黑體" panose="020B0604030504040204" pitchFamily="34" charset="-120"/>
-                <a:ea typeface="微軟正黑體" panose="020B0604030504040204" pitchFamily="34" charset="-120"/>
-              </a:rPr>
-              <a:t>abcde</a:t>
-            </a:r>
-            <a:r>
-              <a:rPr lang="en-US" altLang="zh-TW" dirty="0">
-                <a:latin typeface="微軟正黑體" panose="020B0604030504040204" pitchFamily="34" charset="-120"/>
-                <a:ea typeface="微軟正黑體" panose="020B0604030504040204" pitchFamily="34" charset="-120"/>
-              </a:rPr>
               <a:t>’</a:t>
             </a:r>
-          </a:p>
-          <a:p>
-            <a:r>
-              <a:rPr lang="en-US" altLang="zh-TW" dirty="0">
-                <a:latin typeface="微軟正黑體" panose="020B0604030504040204" pitchFamily="34" charset="-120"/>
-                <a:ea typeface="微軟正黑體" panose="020B0604030504040204" pitchFamily="34" charset="-120"/>
-              </a:rPr>
-              <a:t>&gt;&gt;&gt; s[5:]</a:t>
-            </a:r>
-          </a:p>
-          <a:p>
-            <a:r>
-              <a:rPr lang="en-US" altLang="zh-TW" dirty="0">
-                <a:latin typeface="微軟正黑體" panose="020B0604030504040204" pitchFamily="34" charset="-120"/>
-                <a:ea typeface="微軟正黑體" panose="020B0604030504040204" pitchFamily="34" charset="-120"/>
-              </a:rPr>
-              <a:t>‘</a:t>
-            </a:r>
-            <a:r>
-              <a:rPr lang="en-US" altLang="zh-TW" dirty="0" err="1">
-                <a:latin typeface="微軟正黑體" panose="020B0604030504040204" pitchFamily="34" charset="-120"/>
-                <a:ea typeface="微軟正黑體" panose="020B0604030504040204" pitchFamily="34" charset="-120"/>
-              </a:rPr>
-              <a:t>fghij</a:t>
-            </a:r>
-            <a:r>
-              <a:rPr lang="en-US" altLang="zh-TW" dirty="0">
-                <a:latin typeface="微軟正黑體" panose="020B0604030504040204" pitchFamily="34" charset="-120"/>
-                <a:ea typeface="微軟正黑體" panose="020B0604030504040204" pitchFamily="34" charset="-120"/>
-              </a:rPr>
-              <a:t>’</a:t>
-            </a:r>
-          </a:p>
-          <a:p>
-            <a:r>
-              <a:rPr lang="en-US" altLang="zh-TW" dirty="0">
-                <a:latin typeface="微軟正黑體" panose="020B0604030504040204" pitchFamily="34" charset="-120"/>
-                <a:ea typeface="微軟正黑體" panose="020B0604030504040204" pitchFamily="34" charset="-120"/>
-              </a:rPr>
-              <a:t>&gt;&gt;&gt; s[::2]</a:t>
-            </a:r>
-          </a:p>
-          <a:p>
-            <a:r>
-              <a:rPr lang="en-US" altLang="zh-TW" dirty="0">
-                <a:latin typeface="微軟正黑體" panose="020B0604030504040204" pitchFamily="34" charset="-120"/>
-                <a:ea typeface="微軟正黑體" panose="020B0604030504040204" pitchFamily="34" charset="-120"/>
-              </a:rPr>
-              <a:t>‘</a:t>
-            </a:r>
-            <a:r>
-              <a:rPr lang="en-US" altLang="zh-TW" dirty="0" err="1">
-                <a:latin typeface="微軟正黑體" panose="020B0604030504040204" pitchFamily="34" charset="-120"/>
-                <a:ea typeface="微軟正黑體" panose="020B0604030504040204" pitchFamily="34" charset="-120"/>
-              </a:rPr>
-              <a:t>acegi</a:t>
-            </a:r>
-            <a:r>
-              <a:rPr lang="en-US" altLang="zh-TW" dirty="0">
-                <a:latin typeface="微軟正黑體" panose="020B0604030504040204" pitchFamily="34" charset="-120"/>
-                <a:ea typeface="微軟正黑體" panose="020B0604030504040204" pitchFamily="34" charset="-120"/>
-              </a:rPr>
-              <a:t>’</a:t>
-            </a:r>
-          </a:p>
-          <a:p>
-            <a:r>
-              <a:rPr lang="en-US" altLang="zh-TW" dirty="0">
-                <a:latin typeface="微軟正黑體" panose="020B0604030504040204" pitchFamily="34" charset="-120"/>
-                <a:ea typeface="微軟正黑體" panose="020B0604030504040204" pitchFamily="34" charset="-120"/>
-              </a:rPr>
-              <a:t>&gt;&gt;&gt; s[:]</a:t>
-            </a:r>
-          </a:p>
-          <a:p>
-            <a:r>
-              <a:rPr lang="en-US" altLang="zh-TW" dirty="0">
-                <a:latin typeface="微軟正黑體" panose="020B0604030504040204" pitchFamily="34" charset="-120"/>
-                <a:ea typeface="微軟正黑體" panose="020B0604030504040204" pitchFamily="34" charset="-120"/>
-              </a:rPr>
-              <a:t>‘</a:t>
-            </a:r>
-            <a:r>
-              <a:rPr lang="en-US" altLang="zh-TW" dirty="0" err="1">
-                <a:latin typeface="微軟正黑體" panose="020B0604030504040204" pitchFamily="34" charset="-120"/>
-                <a:ea typeface="微軟正黑體" panose="020B0604030504040204" pitchFamily="34" charset="-120"/>
-              </a:rPr>
-              <a:t>abcdefghij</a:t>
-            </a:r>
-            <a:r>
-              <a:rPr lang="en-US" altLang="zh-TW" dirty="0">
-                <a:latin typeface="微軟正黑體" panose="020B0604030504040204" pitchFamily="34" charset="-120"/>
-                <a:ea typeface="微軟正黑體" panose="020B0604030504040204" pitchFamily="34" charset="-120"/>
-              </a:rPr>
-              <a:t>’</a:t>
-            </a:r>
-            <a:endParaRPr lang="en-US" altLang="zh-TW" dirty="0">
-              <a:latin typeface="微軟正黑體" panose="020B0604030504040204" pitchFamily="34" charset="-120"/>
-              <a:ea typeface="微軟正黑體" panose="020B0604030504040204" pitchFamily="34" charset="-120"/>
-            </a:endParaRPr>
           </a:p>
         </p:txBody>
       </p:sp>
@@ -14192,58 +13975,30 @@
                 <a:latin typeface="微軟正黑體" panose="020B0604030504040204" pitchFamily="34" charset="-120"/>
                 <a:ea typeface="微軟正黑體" panose="020B0604030504040204" pitchFamily="34" charset="-120"/>
               </a:rPr>
-              <a:t>&gt;&gt;&gt; s </a:t>
+              <a:t>&gt;&gt;&gt; s =“</a:t>
+            </a:r>
+            <a:r>
+              <a:rPr lang="en-US" altLang="zh-TW" dirty="0" err="1">
+                <a:latin typeface="微軟正黑體" panose="020B0604030504040204" pitchFamily="34" charset="-120"/>
+                <a:ea typeface="微軟正黑體" panose="020B0604030504040204" pitchFamily="34" charset="-120"/>
+              </a:rPr>
+              <a:t>abcdefghij</a:t>
             </a:r>
             <a:r>
               <a:rPr lang="en-US" altLang="zh-TW" dirty="0">
                 <a:latin typeface="微軟正黑體" panose="020B0604030504040204" pitchFamily="34" charset="-120"/>
                 <a:ea typeface="微軟正黑體" panose="020B0604030504040204" pitchFamily="34" charset="-120"/>
               </a:rPr>
-              <a:t>=“</a:t>
-            </a:r>
-            <a:r>
-              <a:rPr lang="en-US" altLang="zh-TW" dirty="0" err="1">
-                <a:latin typeface="微軟正黑體" panose="020B0604030504040204" pitchFamily="34" charset="-120"/>
-                <a:ea typeface="微軟正黑體" panose="020B0604030504040204" pitchFamily="34" charset="-120"/>
-              </a:rPr>
-              <a:t>abcdefghij</a:t>
-            </a:r>
+              <a:t>”</a:t>
+            </a:r>
+          </a:p>
+          <a:p>
             <a:r>
               <a:rPr lang="en-US" altLang="zh-TW" dirty="0">
                 <a:latin typeface="微軟正黑體" panose="020B0604030504040204" pitchFamily="34" charset="-120"/>
                 <a:ea typeface="微軟正黑體" panose="020B0604030504040204" pitchFamily="34" charset="-120"/>
               </a:rPr>
-              <a:t>”</a:t>
-            </a:r>
-          </a:p>
-          <a:p>
-            <a:r>
-              <a:rPr lang="en-US" altLang="zh-TW" dirty="0">
-                <a:latin typeface="微軟正黑體" panose="020B0604030504040204" pitchFamily="34" charset="-120"/>
-                <a:ea typeface="微軟正黑體" panose="020B0604030504040204" pitchFamily="34" charset="-120"/>
-              </a:rPr>
-              <a:t>&gt;&gt;&gt; </a:t>
-            </a:r>
-            <a:r>
-              <a:rPr lang="en-US" altLang="zh-TW" dirty="0">
-                <a:latin typeface="微軟正黑體" panose="020B0604030504040204" pitchFamily="34" charset="-120"/>
-                <a:ea typeface="微軟正黑體" panose="020B0604030504040204" pitchFamily="34" charset="-120"/>
-              </a:rPr>
-              <a:t>s</a:t>
-            </a:r>
-            <a:r>
-              <a:rPr lang="en-US" altLang="zh-TW" dirty="0">
-                <a:latin typeface="微軟正黑體" panose="020B0604030504040204" pitchFamily="34" charset="-120"/>
-                <a:ea typeface="微軟正黑體" panose="020B0604030504040204" pitchFamily="34" charset="-120"/>
-              </a:rPr>
-              <a:t>[:-5</a:t>
-            </a:r>
-            <a:r>
-              <a:rPr lang="en-US" altLang="zh-TW" dirty="0">
-                <a:latin typeface="微軟正黑體" panose="020B0604030504040204" pitchFamily="34" charset="-120"/>
-                <a:ea typeface="微軟正黑體" panose="020B0604030504040204" pitchFamily="34" charset="-120"/>
-              </a:rPr>
-              <a:t>]</a:t>
+              <a:t>&gt;&gt;&gt; s[:-5]</a:t>
             </a:r>
           </a:p>
           <a:p>
@@ -14986,10 +14741,6 @@
               </a:rPr>
               <a:t>&gt;&gt;&gt; numbers[::2]</a:t>
             </a:r>
-            <a:endParaRPr lang="en-US" altLang="zh-TW" sz="2400" dirty="0">
-              <a:latin typeface="微軟正黑體" panose="020B0604030504040204" pitchFamily="34" charset="-120"/>
-              <a:ea typeface="微軟正黑體" panose="020B0604030504040204" pitchFamily="34" charset="-120"/>
-            </a:endParaRPr>
           </a:p>
           <a:p>
             <a:r>
